--- a/slides/flink_stream_windows.pptx
+++ b/slides/flink_stream_windows.pptx
@@ -249,7 +249,7 @@
           <a:p>
             <a:fld id="{F01141F9-3E73-7448-86C2-E96D93FE379F}" type="datetimeFigureOut">
               <a:rPr lang="en-US" smtClean="0"/>
-              <a:t>09/09/2016</a:t>
+              <a:t>09/09/16</a:t>
             </a:fld>
             <a:endParaRPr lang="en-US"/>
           </a:p>
@@ -4567,95 +4567,6 @@
       </p:pic>
       <p:sp>
         <p:nvSpPr>
-          <p:cNvPr id="130" name="Shape 130"/>
-          <p:cNvSpPr/>
-          <p:nvPr/>
-        </p:nvSpPr>
-        <p:spPr>
-          <a:xfrm>
-            <a:off x="1267034" y="1148961"/>
-            <a:ext cx="6609932" cy="1165698"/>
-          </a:xfrm>
-          <a:prstGeom prst="rect">
-            <a:avLst/>
-          </a:prstGeom>
-          <a:ln w="3175">
-            <a:miter lim="400000"/>
-          </a:ln>
-          <a:extLst>
-            <a:ext uri="{C572A759-6A51-4108-AA02-DFA0A04FC94B}">
-              <ma14:wrappingTextBoxFlag xmlns:ma14="http://schemas.microsoft.com/office/mac/drawingml/2011/main" val="1"/>
-            </a:ext>
-          </a:extLst>
-        </p:spPr>
-        <p:txBody>
-          <a:bodyPr wrap="square" lIns="28572" tIns="28572" rIns="28572" bIns="28572" anchor="ctr">
-            <a:spAutoFit/>
-          </a:bodyPr>
-          <a:lstStyle/>
-          <a:p>
-            <a:pPr algn="ctr" defTabSz="328570" hangingPunct="0">
-              <a:defRPr sz="6400">
-                <a:latin typeface="Helvetica Neue Medium"/>
-                <a:ea typeface="Helvetica Neue Medium"/>
-                <a:cs typeface="Helvetica Neue Medium"/>
-                <a:sym typeface="Helvetica Neue Medium"/>
-              </a:defRPr>
-            </a:pPr>
-            <a:r>
-              <a:rPr lang="en-US" sz="3600" spc="-1">
-                <a:solidFill>
-                  <a:srgbClr val="FFFFFF"/>
-                </a:solidFill>
-                <a:uFill>
-                  <a:solidFill>
-                    <a:srgbClr val="FFFFFF"/>
-                  </a:solidFill>
-                </a:uFill>
-                <a:latin typeface="Calibri"/>
-              </a:rPr>
-              <a:t>DataStream API: </a:t>
-            </a:r>
-          </a:p>
-          <a:p>
-            <a:pPr algn="ctr" defTabSz="328570" hangingPunct="0">
-              <a:defRPr sz="6400">
-                <a:latin typeface="Helvetica Neue Medium"/>
-                <a:ea typeface="Helvetica Neue Medium"/>
-                <a:cs typeface="Helvetica Neue Medium"/>
-                <a:sym typeface="Helvetica Neue Medium"/>
-              </a:defRPr>
-            </a:pPr>
-            <a:r>
-              <a:rPr lang="en-US" sz="3600" spc="-1">
-                <a:solidFill>
-                  <a:srgbClr val="FFFFFF"/>
-                </a:solidFill>
-                <a:uFill>
-                  <a:solidFill>
-                    <a:srgbClr val="FFFFFF"/>
-                  </a:solidFill>
-                </a:uFill>
-                <a:latin typeface="Calibri"/>
-              </a:rPr>
-              <a:t>Time &amp; Windows </a:t>
-            </a:r>
-            <a:endParaRPr lang="en-US" sz="3600" spc="-1">
-              <a:solidFill>
-                <a:srgbClr val="FFFFFF"/>
-              </a:solidFill>
-              <a:uFill>
-                <a:solidFill>
-                  <a:srgbClr val="FFFFFF"/>
-                </a:solidFill>
-              </a:uFill>
-              <a:latin typeface="Arial"/>
-            </a:endParaRPr>
-          </a:p>
-        </p:txBody>
-      </p:sp>
-      <p:sp>
-        <p:nvSpPr>
           <p:cNvPr id="14" name="Shape 128"/>
           <p:cNvSpPr>
             <a:spLocks noGrp="1"/>
@@ -4778,7 +4689,7 @@
         <p:spPr>
           <a:xfrm>
             <a:off x="5147280" y="5475914"/>
-            <a:ext cx="2648031" cy="1015663"/>
+            <a:ext cx="2778024" cy="1015663"/>
           </a:xfrm>
           <a:prstGeom prst="rect">
             <a:avLst/>
@@ -4797,7 +4708,23 @@
                   <a:schemeClr val="bg1"/>
                 </a:solidFill>
               </a:rPr>
-              <a:t>Flink v1.1.2 – 5.09.2016</a:t>
+              <a:t>Flink v1.1.2 – </a:t>
+            </a:r>
+            <a:r>
+              <a:rPr lang="nb-NO" sz="2000" dirty="0" smtClean="0">
+                <a:solidFill>
+                  <a:schemeClr val="bg1"/>
+                </a:solidFill>
+              </a:rPr>
+              <a:t>14.09.2016</a:t>
+            </a:r>
+            <a:r>
+              <a:rPr lang="nb-NO" sz="2000" dirty="0">
+                <a:solidFill>
+                  <a:schemeClr val="bg1"/>
+                </a:solidFill>
+              </a:rPr>
+              <a:t/>
             </a:r>
             <a:br>
               <a:rPr lang="nb-NO" sz="2000" dirty="0">
@@ -4815,7 +4742,143 @@
             </a:endParaRPr>
           </a:p>
           <a:p>
-            <a:endParaRPr lang="en-US" sz="2000"/>
+            <a:endParaRPr lang="en-US" sz="2000" dirty="0"/>
+          </a:p>
+        </p:txBody>
+      </p:sp>
+      <p:sp>
+        <p:nvSpPr>
+          <p:cNvPr id="3" name="TextBox 2"/>
+          <p:cNvSpPr txBox="1"/>
+          <p:nvPr/>
+        </p:nvSpPr>
+        <p:spPr>
+          <a:xfrm>
+            <a:off x="10114822" y="3526645"/>
+            <a:ext cx="184666" cy="369332"/>
+          </a:xfrm>
+          <a:prstGeom prst="rect">
+            <a:avLst/>
+          </a:prstGeom>
+          <a:noFill/>
+        </p:spPr>
+        <p:txBody>
+          <a:bodyPr wrap="none" rtlCol="0">
+            <a:spAutoFit/>
+          </a:bodyPr>
+          <a:lstStyle/>
+          <a:p>
+            <a:endParaRPr lang="en-US" dirty="0"/>
+          </a:p>
+        </p:txBody>
+      </p:sp>
+      <p:sp>
+        <p:nvSpPr>
+          <p:cNvPr id="9" name="Shape 130"/>
+          <p:cNvSpPr/>
+          <p:nvPr/>
+        </p:nvSpPr>
+        <p:spPr>
+          <a:xfrm>
+            <a:off x="1357204" y="719535"/>
+            <a:ext cx="6429592" cy="1996694"/>
+          </a:xfrm>
+          <a:prstGeom prst="rect">
+            <a:avLst/>
+          </a:prstGeom>
+          <a:ln w="3175">
+            <a:miter lim="400000"/>
+          </a:ln>
+          <a:extLst>
+            <a:ext uri="{C572A759-6A51-4108-AA02-DFA0A04FC94B}">
+              <ma14:wrappingTextBoxFlag xmlns:ma14="http://schemas.microsoft.com/office/mac/drawingml/2011/main" val="1"/>
+            </a:ext>
+          </a:extLst>
+        </p:spPr>
+        <p:txBody>
+          <a:bodyPr lIns="28572" tIns="28572" rIns="28572" bIns="28572" anchor="ctr">
+            <a:spAutoFit/>
+          </a:bodyPr>
+          <a:lstStyle/>
+          <a:p>
+            <a:pPr algn="ctr" defTabSz="328570" hangingPunct="0">
+              <a:defRPr sz="6400">
+                <a:latin typeface="Helvetica Neue Medium"/>
+                <a:ea typeface="Helvetica Neue Medium"/>
+                <a:cs typeface="Helvetica Neue Medium"/>
+                <a:sym typeface="Helvetica Neue Medium"/>
+              </a:defRPr>
+            </a:pPr>
+            <a:r>
+              <a:rPr lang="en-US" sz="5400" spc="-1" dirty="0">
+                <a:solidFill>
+                  <a:srgbClr val="FFFFFF"/>
+                </a:solidFill>
+                <a:uFill>
+                  <a:solidFill>
+                    <a:srgbClr val="FFFFFF"/>
+                  </a:solidFill>
+                </a:uFill>
+                <a:latin typeface="Calibri"/>
+              </a:rPr>
+              <a:t>DataStream API</a:t>
+            </a:r>
+          </a:p>
+          <a:p>
+            <a:pPr algn="ctr" defTabSz="328570" hangingPunct="0">
+              <a:defRPr sz="6400">
+                <a:latin typeface="Helvetica Neue Medium"/>
+                <a:ea typeface="Helvetica Neue Medium"/>
+                <a:cs typeface="Helvetica Neue Medium"/>
+                <a:sym typeface="Helvetica Neue Medium"/>
+              </a:defRPr>
+            </a:pPr>
+            <a:endParaRPr lang="en-US" sz="3600" spc="-1" dirty="0">
+              <a:solidFill>
+                <a:srgbClr val="FFFFFF"/>
+              </a:solidFill>
+              <a:uFill>
+                <a:solidFill>
+                  <a:srgbClr val="FFFFFF"/>
+                </a:solidFill>
+              </a:uFill>
+              <a:latin typeface="Calibri"/>
+            </a:endParaRPr>
+          </a:p>
+          <a:p>
+            <a:pPr algn="ctr" defTabSz="328570" hangingPunct="0">
+              <a:defRPr sz="6400">
+                <a:latin typeface="Helvetica Neue Medium"/>
+                <a:ea typeface="Helvetica Neue Medium"/>
+                <a:cs typeface="Helvetica Neue Medium"/>
+                <a:sym typeface="Helvetica Neue Medium"/>
+              </a:defRPr>
+            </a:pPr>
+            <a:r>
+              <a:rPr lang="en-US" sz="3600" spc="-1" dirty="0" smtClean="0">
+                <a:solidFill>
+                  <a:srgbClr val="FFFFFF"/>
+                </a:solidFill>
+                <a:uFill>
+                  <a:solidFill>
+                    <a:srgbClr val="FFFFFF"/>
+                  </a:solidFill>
+                </a:uFill>
+                <a:latin typeface="Calibri"/>
+              </a:rPr>
+              <a:t>Windows &amp; Time</a:t>
+            </a:r>
+            <a:endParaRPr lang="en-US" sz="3600" spc="-1" dirty="0">
+              <a:solidFill>
+                <a:srgbClr val="FFFFFF"/>
+              </a:solidFill>
+              <a:uFill>
+                <a:solidFill>
+                  <a:srgbClr val="FFFFFF"/>
+                </a:solidFill>
+              </a:uFill>
+              <a:latin typeface="Arial"/>
+            </a:endParaRPr>
           </a:p>
         </p:txBody>
       </p:sp>
@@ -5526,13 +5589,31 @@
               <a:t>	Tuple2&lt;String, Integer&gt;, </a:t>
             </a:r>
             <a:r>
+              <a:rPr lang="en-US" sz="1500" dirty="0" smtClean="0">
+                <a:solidFill>
+                  <a:srgbClr val="000000"/>
+                </a:solidFill>
+                <a:latin typeface="Consolas"/>
+              </a:rPr>
+              <a:t>       </a:t>
+            </a:r>
+            <a:r>
+              <a:rPr lang="en-US" sz="1500" dirty="0" smtClean="0">
+                <a:solidFill>
+                  <a:srgbClr val="6D6D6D"/>
+                </a:solidFill>
+                <a:latin typeface="Consolas"/>
+              </a:rPr>
+              <a:t>/</a:t>
+            </a:r>
+            <a:r>
               <a:rPr lang="en-US" sz="1500" dirty="0">
                 <a:solidFill>
                   <a:srgbClr val="6D6D6D"/>
                 </a:solidFill>
                 <a:latin typeface="Consolas"/>
               </a:rPr>
-              <a:t>// input type</a:t>
+              <a:t>/ input type</a:t>
             </a:r>
           </a:p>
           <a:p>
@@ -5578,13 +5659,31 @@
               <a:t>	Tuple, </a:t>
             </a:r>
             <a:r>
+              <a:rPr lang="en-US" sz="1500" dirty="0" smtClean="0">
+                <a:solidFill>
+                  <a:srgbClr val="000000"/>
+                </a:solidFill>
+                <a:latin typeface="Consolas"/>
+              </a:rPr>
+              <a:t>                         </a:t>
+            </a:r>
+            <a:r>
+              <a:rPr lang="en-US" sz="1500" dirty="0" smtClean="0">
+                <a:solidFill>
+                  <a:srgbClr val="6D6D6D"/>
+                </a:solidFill>
+                <a:latin typeface="Consolas"/>
+              </a:rPr>
+              <a:t>/</a:t>
+            </a:r>
+            <a:r>
               <a:rPr lang="en-US" sz="1500" dirty="0">
                 <a:solidFill>
                   <a:srgbClr val="6D6D6D"/>
                 </a:solidFill>
                 <a:latin typeface="Consolas"/>
               </a:rPr>
-              <a:t>// key type</a:t>
+              <a:t>/ key type</a:t>
             </a:r>
           </a:p>
           <a:p>
@@ -5613,31 +5712,49 @@
               <a:t>TimeWindow</a:t>
             </a:r>
             <a:r>
+              <a:rPr lang="en-US" sz="1500" dirty="0" smtClean="0">
+                <a:solidFill>
+                  <a:srgbClr val="000000"/>
+                </a:solidFill>
+                <a:latin typeface="Consolas"/>
+              </a:rPr>
+              <a:t>&gt; {                   </a:t>
+            </a:r>
+            <a:r>
+              <a:rPr lang="en-US" sz="1500" dirty="0" smtClean="0">
+                <a:solidFill>
+                  <a:srgbClr val="6D6D6D"/>
+                </a:solidFill>
+                <a:latin typeface="Consolas"/>
+              </a:rPr>
+              <a:t>/</a:t>
+            </a:r>
+            <a:r>
               <a:rPr lang="en-US" sz="1500" dirty="0">
                 <a:solidFill>
+                  <a:srgbClr val="6D6D6D"/>
+                </a:solidFill>
+                <a:latin typeface="Consolas"/>
+              </a:rPr>
+              <a:t>/ window </a:t>
+            </a:r>
+            <a:r>
+              <a:rPr lang="en-US" sz="1500" dirty="0" smtClean="0">
+                <a:solidFill>
+                  <a:srgbClr val="6D6D6D"/>
+                </a:solidFill>
+                <a:latin typeface="Consolas"/>
+              </a:rPr>
+              <a:t>type</a:t>
+            </a:r>
+            <a:r>
+              <a:rPr lang="en-US" sz="1500" dirty="0">
+                <a:solidFill>
                   <a:srgbClr val="000000"/>
                 </a:solidFill>
                 <a:latin typeface="Consolas"/>
               </a:rPr>
-              <a:t>&gt; </a:t>
-            </a:r>
-            <a:r>
-              <a:rPr lang="en-US" sz="1500" dirty="0">
-                <a:solidFill>
-                  <a:srgbClr val="6D6D6D"/>
-                </a:solidFill>
-                <a:latin typeface="Consolas"/>
-              </a:rPr>
-              <a:t>// window type </a:t>
-            </a:r>
-            <a:r>
-              <a:rPr lang="en-US" sz="1500" dirty="0">
-                <a:solidFill>
-                  <a:srgbClr val="000000"/>
-                </a:solidFill>
-                <a:latin typeface="Consolas"/>
-              </a:rPr>
-              <a:t>{</a:t>
+              <a:t/>
             </a:r>
             <a:br>
               <a:rPr lang="en-US" sz="1500" dirty="0">
@@ -9476,21 +9593,21 @@
                 <a:latin typeface="Consolas"/>
                 <a:cs typeface="Consolas"/>
               </a:rPr>
-              <a:t>(new Tuple3&lt;</a:t>
-            </a:r>
-            <a:r>
-              <a:rPr lang="en-US" sz="1100" dirty="0" err="1">
+              <a:t>(new Tuple3&lt;Integer</a:t>
+            </a:r>
+            <a:r>
+              <a:rPr lang="en-US" sz="1100" dirty="0" smtClean="0">
                 <a:latin typeface="Consolas"/>
                 <a:cs typeface="Consolas"/>
               </a:rPr>
-              <a:t>Integer,Long</a:t>
+              <a:t>, Long, Integer</a:t>
             </a:r>
             <a:r>
               <a:rPr lang="en-US" sz="1100" dirty="0">
                 <a:latin typeface="Consolas"/>
                 <a:cs typeface="Consolas"/>
               </a:rPr>
-              <a:t>,Integer&gt;(0, 0L, 0), </a:t>
+              <a:t>&gt;(0, 0L, 0), </a:t>
             </a:r>
             <a:r>
               <a:rPr lang="en-US" sz="1100" dirty="0">
@@ -9530,9 +9647,11 @@
               <a:buNone/>
             </a:pPr>
             <a:r>
-              <a:rPr lang="en-US" sz="1100" dirty="0">
-                <a:latin typeface="Consolas"/>
-                <a:cs typeface="Consolas"/>
+              <a:rPr lang="en-US" sz="1100" b="1" dirty="0">
+                <a:solidFill>
+                  <a:srgbClr val="000080"/>
+                </a:solidFill>
+                <a:latin typeface="Consolas"/>
               </a:rPr>
               <a:t>private static class </a:t>
             </a:r>
@@ -9563,21 +9682,54 @@
                 <a:latin typeface="Consolas"/>
                 <a:cs typeface="Consolas"/>
               </a:rPr>
-              <a:t>    implements FoldFunction&lt;Tuple2&lt;String, Integer&gt;, Tuple3&lt;</a:t>
-            </a:r>
-            <a:r>
-              <a:rPr lang="en-US" sz="1100" dirty="0" err="1">
+              <a:t>    </a:t>
+            </a:r>
+            <a:r>
+              <a:rPr lang="en-US" sz="1100" b="1" dirty="0">
+                <a:solidFill>
+                  <a:srgbClr val="000080"/>
+                </a:solidFill>
+                <a:latin typeface="Consolas"/>
+              </a:rPr>
+              <a:t>implements</a:t>
+            </a:r>
+            <a:r>
+              <a:rPr lang="en-US" sz="1100" dirty="0">
                 <a:latin typeface="Consolas"/>
                 <a:cs typeface="Consolas"/>
               </a:rPr>
-              <a:t>Integer,Long</a:t>
+              <a:t> </a:t>
             </a:r>
             <a:r>
               <a:rPr lang="en-US" sz="1100" dirty="0">
+                <a:solidFill>
+                  <a:srgbClr val="FF0000"/>
+                </a:solidFill>
                 <a:latin typeface="Consolas"/>
                 <a:cs typeface="Consolas"/>
               </a:rPr>
-              <a:t>,Integer&gt;&gt; {</a:t>
+              <a:t>FoldFunction</a:t>
+            </a:r>
+            <a:r>
+              <a:rPr lang="en-US" sz="1100" dirty="0">
+                <a:latin typeface="Consolas"/>
+                <a:cs typeface="Consolas"/>
+              </a:rPr>
+              <a:t>&lt;Tuple2&lt;String, Integer&gt;, Tuple3&lt;Integer</a:t>
+            </a:r>
+            <a:r>
+              <a:rPr lang="en-US" sz="1100" dirty="0" smtClean="0">
+                <a:latin typeface="Consolas"/>
+                <a:cs typeface="Consolas"/>
+              </a:rPr>
+              <a:t>, Long, Integer</a:t>
+            </a:r>
+            <a:r>
+              <a:rPr lang="en-US" sz="1100" dirty="0">
+                <a:latin typeface="Consolas"/>
+                <a:cs typeface="Consolas"/>
+              </a:rPr>
+              <a:t>&gt;&gt; {</a:t>
             </a:r>
           </a:p>
           <a:p>
@@ -9604,35 +9756,68 @@
                 <a:latin typeface="Consolas"/>
                 <a:cs typeface="Consolas"/>
               </a:rPr>
-              <a:t>  public Tuple3&lt;</a:t>
+              <a:t>  </a:t>
+            </a:r>
+            <a:r>
+              <a:rPr lang="en-US" sz="1100" b="1" dirty="0">
+                <a:solidFill>
+                  <a:srgbClr val="000080"/>
+                </a:solidFill>
+                <a:latin typeface="Consolas"/>
+              </a:rPr>
+              <a:t>public</a:t>
+            </a:r>
+            <a:r>
+              <a:rPr lang="en-US" sz="1100" dirty="0">
+                <a:latin typeface="Consolas"/>
+                <a:cs typeface="Consolas"/>
+              </a:rPr>
+              <a:t> Tuple3&lt;</a:t>
             </a:r>
             <a:r>
               <a:rPr lang="en-US" sz="1100" dirty="0" err="1">
                 <a:latin typeface="Consolas"/>
                 <a:cs typeface="Consolas"/>
               </a:rPr>
-              <a:t>Integer,Long</a:t>
+              <a:t>Integer,Long,Integer</a:t>
             </a:r>
             <a:r>
               <a:rPr lang="en-US" sz="1100" dirty="0">
                 <a:latin typeface="Consolas"/>
                 <a:cs typeface="Consolas"/>
               </a:rPr>
-              <a:t>,Integer&gt; fold(Tuple3&lt;</a:t>
-            </a:r>
-            <a:r>
-              <a:rPr lang="en-US" sz="1100" dirty="0" err="1">
+              <a:t>&gt; </a:t>
+            </a:r>
+            <a:r>
+              <a:rPr lang="en-US" sz="1100" dirty="0">
+                <a:solidFill>
+                  <a:srgbClr val="FF0000"/>
+                </a:solidFill>
                 <a:latin typeface="Consolas"/>
                 <a:cs typeface="Consolas"/>
               </a:rPr>
-              <a:t>Integer,Long</a:t>
+              <a:t>fold</a:t>
             </a:r>
             <a:r>
               <a:rPr lang="en-US" sz="1100" dirty="0">
                 <a:latin typeface="Consolas"/>
                 <a:cs typeface="Consolas"/>
               </a:rPr>
-              <a:t>,Integer&gt; acc, Tuple2&lt;String, Integer&gt; p) {</a:t>
+              <a:t>(Tuple3&lt;Integer</a:t>
+            </a:r>
+            <a:r>
+              <a:rPr lang="en-US" sz="1100" dirty="0" smtClean="0">
+                <a:latin typeface="Consolas"/>
+                <a:cs typeface="Consolas"/>
+              </a:rPr>
+              <a:t>, Long, Integer</a:t>
+            </a:r>
+            <a:r>
+              <a:rPr lang="en-US" sz="1100" dirty="0">
+                <a:latin typeface="Consolas"/>
+                <a:cs typeface="Consolas"/>
+              </a:rPr>
+              <a:t>&gt; acc, Tuple2&lt;String, Integer&gt; p) {</a:t>
             </a:r>
           </a:p>
           <a:p>
@@ -9730,9 +9915,11 @@
               <a:buNone/>
             </a:pPr>
             <a:r>
-              <a:rPr lang="en-US" sz="1100" dirty="0">
-                <a:latin typeface="Consolas"/>
-                <a:cs typeface="Consolas"/>
+              <a:rPr lang="en-US" sz="1100" b="1" dirty="0">
+                <a:solidFill>
+                  <a:srgbClr val="000080"/>
+                </a:solidFill>
+                <a:latin typeface="Consolas"/>
               </a:rPr>
               <a:t>private static class </a:t>
             </a:r>
@@ -9773,35 +9960,89 @@
                 <a:latin typeface="Consolas"/>
                 <a:cs typeface="Consolas"/>
               </a:rPr>
-              <a:t>    implements WindowFunction&lt;Tuple3&lt;</a:t>
+              <a:t>  </a:t>
+            </a:r>
+            <a:r>
+              <a:rPr lang="en-US" sz="1100" dirty="0" smtClean="0">
+                <a:latin typeface="Consolas"/>
+                <a:cs typeface="Consolas"/>
+              </a:rPr>
+              <a:t>  </a:t>
+            </a:r>
+            <a:r>
+              <a:rPr lang="en-US" sz="1100" b="1" dirty="0" smtClean="0">
+                <a:solidFill>
+                  <a:srgbClr val="000080"/>
+                </a:solidFill>
+                <a:latin typeface="Consolas"/>
+              </a:rPr>
+              <a:t>implements</a:t>
+            </a:r>
+            <a:r>
+              <a:rPr lang="en-US" sz="1100" dirty="0" smtClean="0">
+                <a:latin typeface="Consolas"/>
+                <a:cs typeface="Consolas"/>
+              </a:rPr>
+              <a:t> </a:t>
+            </a:r>
+            <a:r>
+              <a:rPr lang="en-US" sz="1100" dirty="0">
+                <a:solidFill>
+                  <a:srgbClr val="FF0000"/>
+                </a:solidFill>
+                <a:latin typeface="Consolas"/>
+                <a:cs typeface="Consolas"/>
+              </a:rPr>
+              <a:t>WindowFunction</a:t>
+            </a:r>
+            <a:r>
+              <a:rPr lang="en-US" sz="1100" dirty="0">
+                <a:latin typeface="Consolas"/>
+                <a:cs typeface="Consolas"/>
+              </a:rPr>
+              <a:t>&lt;Tuple3&lt;</a:t>
             </a:r>
             <a:r>
               <a:rPr lang="en-US" sz="1100" dirty="0" err="1">
                 <a:latin typeface="Consolas"/>
                 <a:cs typeface="Consolas"/>
               </a:rPr>
-              <a:t>Integer,Long</a:t>
+              <a:t>Integer</a:t>
+            </a:r>
+            <a:r>
+              <a:rPr lang="en-US" sz="1100" dirty="0" err="1" smtClean="0">
+                <a:latin typeface="Consolas"/>
+                <a:cs typeface="Consolas"/>
+              </a:rPr>
+              <a:t>,Long,Integer</a:t>
             </a:r>
             <a:r>
               <a:rPr lang="en-US" sz="1100" dirty="0">
                 <a:latin typeface="Consolas"/>
                 <a:cs typeface="Consolas"/>
               </a:rPr>
-              <a:t>,Integer&gt;, Tuple3&lt;</a:t>
+              <a:t>&gt;, Tuple3&lt;</a:t>
             </a:r>
             <a:r>
               <a:rPr lang="en-US" sz="1100" dirty="0" err="1">
                 <a:latin typeface="Consolas"/>
                 <a:cs typeface="Consolas"/>
               </a:rPr>
-              <a:t>Integer,Long</a:t>
+              <a:t>Integer</a:t>
+            </a:r>
+            <a:r>
+              <a:rPr lang="en-US" sz="1100" dirty="0" err="1" smtClean="0">
+                <a:latin typeface="Consolas"/>
+                <a:cs typeface="Consolas"/>
+              </a:rPr>
+              <a:t>,Long,Integer</a:t>
             </a:r>
             <a:r>
               <a:rPr lang="en-US" sz="1100" dirty="0">
                 <a:latin typeface="Consolas"/>
                 <a:cs typeface="Consolas"/>
               </a:rPr>
-              <a:t>,Integer&gt;, Integer, TimeWindow&gt; {</a:t>
+              <a:t>&gt;, Integer, TimeWindow&gt; {</a:t>
             </a:r>
           </a:p>
           <a:p>
@@ -9812,16 +10053,12 @@
               <a:buNone/>
             </a:pPr>
             <a:r>
-              <a:rPr lang="en-US" sz="1100">
+              <a:rPr lang="en-US" sz="1100" dirty="0">
                 <a:latin typeface="Consolas"/>
                 <a:cs typeface="Consolas"/>
               </a:rPr>
               <a:t>  </a:t>
             </a:r>
-            <a:endParaRPr lang="en-US" sz="1100" dirty="0">
-              <a:latin typeface="Consolas"/>
-              <a:cs typeface="Consolas"/>
-            </a:endParaRPr>
           </a:p>
           <a:p>
             <a:pPr marL="0" indent="0">
@@ -9835,7 +10072,33 @@
                 <a:latin typeface="Consolas"/>
                 <a:cs typeface="Consolas"/>
               </a:rPr>
-              <a:t>  public void apply(Integer age_key,</a:t>
+              <a:t>  </a:t>
+            </a:r>
+            <a:r>
+              <a:rPr lang="en-US" sz="1100" b="1" dirty="0">
+                <a:solidFill>
+                  <a:srgbClr val="000080"/>
+                </a:solidFill>
+                <a:latin typeface="Consolas"/>
+              </a:rPr>
+              <a:t>public void </a:t>
+            </a:r>
+            <a:r>
+              <a:rPr lang="en-US" sz="1100" dirty="0">
+                <a:solidFill>
+                  <a:srgbClr val="FF0000"/>
+                </a:solidFill>
+                <a:latin typeface="Consolas"/>
+                <a:cs typeface="Consolas"/>
+              </a:rPr>
+              <a:t>apply</a:t>
+            </a:r>
+            <a:r>
+              <a:rPr lang="en-US" sz="1100" dirty="0">
+                <a:latin typeface="Consolas"/>
+                <a:cs typeface="Consolas"/>
+              </a:rPr>
+              <a:t>(Integer age_key,</a:t>
             </a:r>
           </a:p>
           <a:p>
@@ -9952,7 +10215,24 @@
                 <a:latin typeface="Consolas"/>
                 <a:cs typeface="Consolas"/>
               </a:rPr>
-              <a:t>    out.collect(new Tuple3&lt;</a:t>
+              <a:t>    </a:t>
+            </a:r>
+            <a:r>
+              <a:rPr lang="en-US" sz="1100" dirty="0">
+                <a:solidFill>
+                  <a:srgbClr val="FF0000"/>
+                </a:solidFill>
+                <a:latin typeface="Consolas"/>
+                <a:cs typeface="Consolas"/>
+              </a:rPr>
+              <a:t>out.collect</a:t>
+            </a:r>
+            <a:r>
+              <a:rPr lang="en-US" sz="1100" dirty="0">
+                <a:latin typeface="Consolas"/>
+                <a:cs typeface="Consolas"/>
+              </a:rPr>
+              <a:t>(new Tuple3&lt;</a:t>
             </a:r>
             <a:r>
               <a:rPr lang="en-US" sz="1100" dirty="0" err="1">
@@ -10134,7 +10414,7 @@
               </a:lnSpc>
               <a:buNone/>
             </a:pPr>
-            <a:endParaRPr lang="en-US" sz="1100">
+            <a:endParaRPr lang="en-US" sz="1100" dirty="0">
               <a:latin typeface="Consolas"/>
               <a:cs typeface="Consolas"/>
             </a:endParaRPr>
@@ -10147,7 +10427,7 @@
               <a:buNone/>
             </a:pPr>
             <a:r>
-              <a:rPr lang="en-US" sz="1100">
+              <a:rPr lang="en-US" sz="1100" dirty="0">
                 <a:latin typeface="Consolas"/>
                 <a:cs typeface="Consolas"/>
               </a:rPr>
@@ -10162,11 +10442,25 @@
               <a:buNone/>
             </a:pPr>
             <a:r>
-              <a:rPr lang="en-US" sz="1100">
+              <a:rPr lang="en-US" sz="1100" dirty="0">
                 <a:latin typeface="Consolas"/>
                 <a:cs typeface="Consolas"/>
               </a:rPr>
-              <a:t>  .keyBy(1)</a:t>
+              <a:t>  .</a:t>
+            </a:r>
+            <a:r>
+              <a:rPr lang="en-US" sz="1100" dirty="0" err="1">
+                <a:latin typeface="Consolas"/>
+                <a:cs typeface="Consolas"/>
+              </a:rPr>
+              <a:t>keyBy</a:t>
+            </a:r>
+            <a:r>
+              <a:rPr lang="en-US" sz="1100" dirty="0">
+                <a:latin typeface="Consolas"/>
+                <a:cs typeface="Consolas"/>
+              </a:rPr>
+              <a:t>(1)</a:t>
             </a:r>
           </a:p>
           <a:p>
@@ -10177,14 +10471,28 @@
               <a:buNone/>
             </a:pPr>
             <a:r>
-              <a:rPr lang="en-US" sz="1100">
+              <a:rPr lang="en-US" sz="1100" dirty="0">
                 <a:latin typeface="Consolas"/>
                 <a:cs typeface="Consolas"/>
               </a:rPr>
-              <a:t>  .timeWindow(</a:t>
+              <a:t>  .</a:t>
             </a:r>
             <a:r>
               <a:rPr lang="en-US" sz="1100" dirty="0" err="1">
+                <a:latin typeface="Consolas"/>
+                <a:cs typeface="Consolas"/>
+              </a:rPr>
+              <a:t>timeWindow</a:t>
+            </a:r>
+            <a:r>
+              <a:rPr lang="en-US" sz="1100" dirty="0">
+                <a:latin typeface="Consolas"/>
+                <a:cs typeface="Consolas"/>
+              </a:rPr>
+              <a:t>(</a:t>
+            </a:r>
+            <a:r>
+              <a:rPr lang="en-US" sz="1100" dirty="0" err="1">
                 <a:solidFill>
                   <a:srgbClr val="000000"/>
                 </a:solidFill>
@@ -10220,7 +10528,7 @@
               <a:t>(10)</a:t>
             </a:r>
             <a:r>
-              <a:rPr lang="en-US" sz="1100">
+              <a:rPr lang="en-US" sz="1100" dirty="0">
                 <a:latin typeface="Consolas"/>
                 <a:cs typeface="Consolas"/>
               </a:rPr>
@@ -10235,28 +10543,76 @@
               <a:buNone/>
             </a:pPr>
             <a:r>
-              <a:rPr lang="en-US" sz="1100">
+              <a:rPr lang="en-US" sz="1100" dirty="0">
                 <a:latin typeface="Consolas"/>
                 <a:cs typeface="Consolas"/>
               </a:rPr>
               <a:t>  .apply(new </a:t>
             </a:r>
             <a:r>
-              <a:rPr lang="en-US" sz="1100">
+              <a:rPr lang="en-US" sz="1100" dirty="0">
                 <a:solidFill>
                   <a:srgbClr val="FF0000"/>
                 </a:solidFill>
                 <a:latin typeface="Consolas"/>
                 <a:cs typeface="Consolas"/>
               </a:rPr>
-              <a:t>Tuple3&lt;Integer,Long,Integer&gt;</a:t>
-            </a:r>
-            <a:r>
-              <a:rPr lang="en-US" sz="1100">
+              <a:t>Tuple3&lt;Integer</a:t>
+            </a:r>
+            <a:r>
+              <a:rPr lang="en-US" sz="1100" dirty="0" smtClean="0">
+                <a:solidFill>
+                  <a:srgbClr val="FF0000"/>
+                </a:solidFill>
                 <a:latin typeface="Consolas"/>
                 <a:cs typeface="Consolas"/>
               </a:rPr>
-              <a:t>(0, 0L, 0), new MyFoldFunction(), new MyWindowFunction())</a:t>
+              <a:t>, Long, Integer</a:t>
+            </a:r>
+            <a:r>
+              <a:rPr lang="en-US" sz="1100" dirty="0">
+                <a:solidFill>
+                  <a:srgbClr val="FF0000"/>
+                </a:solidFill>
+                <a:latin typeface="Consolas"/>
+                <a:cs typeface="Consolas"/>
+              </a:rPr>
+              <a:t>&gt;</a:t>
+            </a:r>
+            <a:r>
+              <a:rPr lang="en-US" sz="1100" dirty="0">
+                <a:latin typeface="Consolas"/>
+                <a:cs typeface="Consolas"/>
+              </a:rPr>
+              <a:t>(0, 0L, 0), new </a:t>
+            </a:r>
+            <a:r>
+              <a:rPr lang="en-US" sz="1100" dirty="0" err="1">
+                <a:latin typeface="Consolas"/>
+                <a:cs typeface="Consolas"/>
+              </a:rPr>
+              <a:t>MyFoldFunction</a:t>
+            </a:r>
+            <a:r>
+              <a:rPr lang="en-US" sz="1100" dirty="0">
+                <a:latin typeface="Consolas"/>
+                <a:cs typeface="Consolas"/>
+              </a:rPr>
+              <a:t>(), new </a:t>
+            </a:r>
+            <a:r>
+              <a:rPr lang="en-US" sz="1100" dirty="0" err="1">
+                <a:latin typeface="Consolas"/>
+                <a:cs typeface="Consolas"/>
+              </a:rPr>
+              <a:t>MyWindowFunction</a:t>
+            </a:r>
+            <a:r>
+              <a:rPr lang="en-US" sz="1100" dirty="0">
+                <a:latin typeface="Consolas"/>
+                <a:cs typeface="Consolas"/>
+              </a:rPr>
+              <a:t>())</a:t>
             </a:r>
           </a:p>
           <a:p>
@@ -10266,7 +10622,7 @@
               </a:lnSpc>
               <a:buNone/>
             </a:pPr>
-            <a:endParaRPr lang="en-US" sz="1100">
+            <a:endParaRPr lang="en-US" sz="1100" dirty="0">
               <a:latin typeface="Consolas"/>
               <a:cs typeface="Consolas"/>
             </a:endParaRPr>
@@ -10279,12 +10635,25 @@
               <a:buNone/>
             </a:pPr>
             <a:r>
-              <a:rPr lang="en-US" sz="1100">
+              <a:rPr lang="en-US" sz="1100" b="1" dirty="0">
+                <a:solidFill>
+                  <a:srgbClr val="000080"/>
+                </a:solidFill>
+                <a:latin typeface="Consolas"/>
+              </a:rPr>
+              <a:t>private static class </a:t>
+            </a:r>
+            <a:r>
+              <a:rPr lang="en-US" sz="1100" dirty="0" err="1">
                 <a:latin typeface="Consolas"/>
                 <a:cs typeface="Consolas"/>
               </a:rPr>
-              <a:t>private static class MyFoldFunction</a:t>
-            </a:r>
+              <a:t>MyFoldFunction</a:t>
+            </a:r>
+            <a:endParaRPr lang="en-US" sz="1100" dirty="0">
+              <a:latin typeface="Consolas"/>
+              <a:cs typeface="Consolas"/>
+            </a:endParaRPr>
           </a:p>
           <a:p>
             <a:pPr marL="0" indent="0">
@@ -10294,24 +10663,74 @@
               <a:buNone/>
             </a:pPr>
             <a:r>
-              <a:rPr lang="en-US" sz="1100">
+              <a:rPr lang="en-US" sz="1100" dirty="0">
                 <a:latin typeface="Consolas"/>
                 <a:cs typeface="Consolas"/>
               </a:rPr>
-              <a:t>    implements FoldFunction&lt;Tuple2&lt;String, Integer&gt;, </a:t>
-            </a:r>
-            <a:r>
-              <a:rPr lang="en-US" sz="1100">
+              <a:t>    </a:t>
+            </a:r>
+            <a:r>
+              <a:rPr lang="en-US" sz="1100" b="1" dirty="0">
+                <a:solidFill>
+                  <a:srgbClr val="000080"/>
+                </a:solidFill>
+                <a:latin typeface="Consolas"/>
+              </a:rPr>
+              <a:t>implements</a:t>
+            </a:r>
+            <a:r>
+              <a:rPr lang="en-US" sz="1100" dirty="0">
+                <a:latin typeface="Consolas"/>
+                <a:cs typeface="Consolas"/>
+              </a:rPr>
+              <a:t> </a:t>
+            </a:r>
+            <a:r>
+              <a:rPr lang="en-US" sz="1100" dirty="0" err="1">
+                <a:latin typeface="Consolas"/>
+                <a:cs typeface="Consolas"/>
+              </a:rPr>
+              <a:t>FoldFunction</a:t>
+            </a:r>
+            <a:r>
+              <a:rPr lang="en-US" sz="1100" dirty="0">
+                <a:latin typeface="Consolas"/>
+                <a:cs typeface="Consolas"/>
+              </a:rPr>
+              <a:t>&lt;Tuple2&lt;String, Integer&gt;, </a:t>
+            </a:r>
+            <a:r>
+              <a:rPr lang="en-US" sz="1100" dirty="0">
                 <a:solidFill>
                   <a:srgbClr val="FF0000"/>
                 </a:solidFill>
                 <a:latin typeface="Consolas"/>
                 <a:cs typeface="Consolas"/>
               </a:rPr>
-              <a:t>Tuple3&lt;Integer,Long,Integer&gt;</a:t>
-            </a:r>
-            <a:r>
-              <a:rPr lang="en-US" sz="1100">
+              <a:t>Tuple3&lt;Integer</a:t>
+            </a:r>
+            <a:r>
+              <a:rPr lang="en-US" sz="1100" dirty="0" smtClean="0">
+                <a:solidFill>
+                  <a:srgbClr val="FF0000"/>
+                </a:solidFill>
+                <a:latin typeface="Consolas"/>
+                <a:cs typeface="Consolas"/>
+              </a:rPr>
+              <a:t>, Long, Integer</a:t>
+            </a:r>
+            <a:r>
+              <a:rPr lang="en-US" sz="1100" dirty="0">
+                <a:solidFill>
+                  <a:srgbClr val="FF0000"/>
+                </a:solidFill>
+                <a:latin typeface="Consolas"/>
+                <a:cs typeface="Consolas"/>
+              </a:rPr>
+              <a:t>&gt;</a:t>
+            </a:r>
+            <a:r>
+              <a:rPr lang="en-US" sz="1100" dirty="0">
                 <a:latin typeface="Consolas"/>
                 <a:cs typeface="Consolas"/>
               </a:rPr>
@@ -10325,7 +10744,7 @@
               </a:lnSpc>
               <a:buNone/>
             </a:pPr>
-            <a:endParaRPr lang="en-US" sz="1100">
+            <a:endParaRPr lang="en-US" sz="1100" dirty="0">
               <a:latin typeface="Consolas"/>
               <a:cs typeface="Consolas"/>
             </a:endParaRPr>
@@ -10338,28 +10757,85 @@
               <a:buNone/>
             </a:pPr>
             <a:r>
-              <a:rPr lang="en-US" sz="1100">
+              <a:rPr lang="en-US" sz="1100" dirty="0">
                 <a:latin typeface="Consolas"/>
                 <a:cs typeface="Consolas"/>
               </a:rPr>
-              <a:t>  public Tuple3&lt;Integer,Long,Integer&gt; fold(</a:t>
-            </a:r>
-            <a:r>
-              <a:rPr lang="en-US" sz="1100">
+              <a:t>  </a:t>
+            </a:r>
+            <a:r>
+              <a:rPr lang="en-US" sz="1100" b="1" dirty="0">
+                <a:solidFill>
+                  <a:srgbClr val="000080"/>
+                </a:solidFill>
+                <a:latin typeface="Consolas"/>
+              </a:rPr>
+              <a:t>public</a:t>
+            </a:r>
+            <a:r>
+              <a:rPr lang="en-US" sz="1100" dirty="0">
+                <a:latin typeface="Consolas"/>
+                <a:cs typeface="Consolas"/>
+              </a:rPr>
+              <a:t> Tuple3&lt;</a:t>
+            </a:r>
+            <a:r>
+              <a:rPr lang="en-US" sz="1100" dirty="0" err="1">
+                <a:latin typeface="Consolas"/>
+                <a:cs typeface="Consolas"/>
+              </a:rPr>
+              <a:t>Integer,Long,Integer</a:t>
+            </a:r>
+            <a:r>
+              <a:rPr lang="en-US" sz="1100" dirty="0">
+                <a:latin typeface="Consolas"/>
+                <a:cs typeface="Consolas"/>
+              </a:rPr>
+              <a:t>&gt; fold(</a:t>
+            </a:r>
+            <a:r>
+              <a:rPr lang="en-US" sz="1100" dirty="0">
                 <a:solidFill>
                   <a:srgbClr val="FF0000"/>
                 </a:solidFill>
                 <a:latin typeface="Consolas"/>
                 <a:cs typeface="Consolas"/>
               </a:rPr>
-              <a:t>Tuple3&lt;Integer,Long,Integer&gt; </a:t>
-            </a:r>
-            <a:r>
-              <a:rPr lang="en-US" sz="1100">
+              <a:t>Tuple3&lt;Integer</a:t>
+            </a:r>
+            <a:r>
+              <a:rPr lang="en-US" sz="1100" dirty="0" smtClean="0">
+                <a:solidFill>
+                  <a:srgbClr val="FF0000"/>
+                </a:solidFill>
                 <a:latin typeface="Consolas"/>
                 <a:cs typeface="Consolas"/>
               </a:rPr>
-              <a:t>acc, Tuple2&lt;String, Integer&gt; p) {</a:t>
+              <a:t>, Long, Integer</a:t>
+            </a:r>
+            <a:r>
+              <a:rPr lang="en-US" sz="1100" dirty="0">
+                <a:solidFill>
+                  <a:srgbClr val="FF0000"/>
+                </a:solidFill>
+                <a:latin typeface="Consolas"/>
+                <a:cs typeface="Consolas"/>
+              </a:rPr>
+              <a:t>&gt; </a:t>
+            </a:r>
+            <a:r>
+              <a:rPr lang="en-US" sz="1100" dirty="0" err="1">
+                <a:latin typeface="Consolas"/>
+                <a:cs typeface="Consolas"/>
+              </a:rPr>
+              <a:t>acc</a:t>
+            </a:r>
+            <a:r>
+              <a:rPr lang="en-US" sz="1100" dirty="0">
+                <a:latin typeface="Consolas"/>
+                <a:cs typeface="Consolas"/>
+              </a:rPr>
+              <a:t>, Tuple2&lt;String, Integer&gt; p) {</a:t>
             </a:r>
           </a:p>
           <a:p>
@@ -10370,11 +10846,25 @@
               <a:buNone/>
             </a:pPr>
             <a:r>
-              <a:rPr lang="en-US" sz="1100">
+              <a:rPr lang="en-US" sz="1100" dirty="0">
                 <a:latin typeface="Consolas"/>
                 <a:cs typeface="Consolas"/>
               </a:rPr>
-              <a:t>      Integer count = acc.getField(2);</a:t>
+              <a:t>      Integer count = </a:t>
+            </a:r>
+            <a:r>
+              <a:rPr lang="en-US" sz="1100" dirty="0" err="1">
+                <a:latin typeface="Consolas"/>
+                <a:cs typeface="Consolas"/>
+              </a:rPr>
+              <a:t>acc.getField</a:t>
+            </a:r>
+            <a:r>
+              <a:rPr lang="en-US" sz="1100" dirty="0">
+                <a:latin typeface="Consolas"/>
+                <a:cs typeface="Consolas"/>
+              </a:rPr>
+              <a:t>(2);</a:t>
             </a:r>
           </a:p>
           <a:p>
@@ -10385,11 +10875,25 @@
               <a:buNone/>
             </a:pPr>
             <a:r>
-              <a:rPr lang="en-US" sz="1100">
+              <a:rPr lang="en-US" sz="1100" dirty="0">
                 <a:latin typeface="Consolas"/>
                 <a:cs typeface="Consolas"/>
               </a:rPr>
-              <a:t>      acc.setField(2, count + 1);</a:t>
+              <a:t>      </a:t>
+            </a:r>
+            <a:r>
+              <a:rPr lang="en-US" sz="1100" dirty="0" err="1">
+                <a:latin typeface="Consolas"/>
+                <a:cs typeface="Consolas"/>
+              </a:rPr>
+              <a:t>acc.setField</a:t>
+            </a:r>
+            <a:r>
+              <a:rPr lang="en-US" sz="1100" dirty="0">
+                <a:latin typeface="Consolas"/>
+                <a:cs typeface="Consolas"/>
+              </a:rPr>
+              <a:t>(2, count + 1);</a:t>
             </a:r>
           </a:p>
           <a:p>
@@ -10400,11 +10904,25 @@
               <a:buNone/>
             </a:pPr>
             <a:r>
-              <a:rPr lang="en-US" sz="1100">
+              <a:rPr lang="en-US" sz="1100" dirty="0">
                 <a:latin typeface="Consolas"/>
                 <a:cs typeface="Consolas"/>
               </a:rPr>
-              <a:t>      return acc;</a:t>
+              <a:t>      return </a:t>
+            </a:r>
+            <a:r>
+              <a:rPr lang="en-US" sz="1100" dirty="0" err="1">
+                <a:latin typeface="Consolas"/>
+                <a:cs typeface="Consolas"/>
+              </a:rPr>
+              <a:t>acc</a:t>
+            </a:r>
+            <a:r>
+              <a:rPr lang="en-US" sz="1100" dirty="0">
+                <a:latin typeface="Consolas"/>
+                <a:cs typeface="Consolas"/>
+              </a:rPr>
+              <a:t>;</a:t>
             </a:r>
           </a:p>
           <a:p>
@@ -10415,7 +10933,7 @@
               <a:buNone/>
             </a:pPr>
             <a:r>
-              <a:rPr lang="en-US" sz="1100">
+              <a:rPr lang="en-US" sz="1100" dirty="0">
                 <a:latin typeface="Consolas"/>
                 <a:cs typeface="Consolas"/>
               </a:rPr>
@@ -10430,7 +10948,7 @@
               <a:buNone/>
             </a:pPr>
             <a:r>
-              <a:rPr lang="en-US" sz="1100">
+              <a:rPr lang="en-US" sz="1100" dirty="0">
                 <a:latin typeface="Consolas"/>
                 <a:cs typeface="Consolas"/>
               </a:rPr>
@@ -10444,7 +10962,7 @@
               </a:lnSpc>
               <a:buNone/>
             </a:pPr>
-            <a:endParaRPr lang="en-US" sz="1100">
+            <a:endParaRPr lang="en-US" sz="1100" dirty="0">
               <a:latin typeface="Consolas"/>
               <a:cs typeface="Consolas"/>
             </a:endParaRPr>
@@ -10457,11 +10975,27 @@
               <a:buNone/>
             </a:pPr>
             <a:r>
-              <a:rPr lang="en-US" sz="1100">
+              <a:rPr lang="en-US" sz="1100" b="1" dirty="0">
+                <a:solidFill>
+                  <a:srgbClr val="000080"/>
+                </a:solidFill>
+                <a:latin typeface="Consolas"/>
+              </a:rPr>
+              <a:t>private static class </a:t>
+            </a:r>
+            <a:r>
+              <a:rPr lang="en-US" sz="1100" dirty="0" err="1">
                 <a:latin typeface="Consolas"/>
                 <a:cs typeface="Consolas"/>
               </a:rPr>
-              <a:t>private static class MyWindowFunction </a:t>
+              <a:t>MyWindowFunction</a:t>
+            </a:r>
+            <a:r>
+              <a:rPr lang="en-US" sz="1100" dirty="0">
+                <a:latin typeface="Consolas"/>
+                <a:cs typeface="Consolas"/>
+              </a:rPr>
+              <a:t> </a:t>
             </a:r>
           </a:p>
           <a:p>
@@ -10472,45 +11006,129 @@
               <a:buNone/>
             </a:pPr>
             <a:r>
-              <a:rPr lang="en-US" sz="1100">
+              <a:rPr lang="en-US" sz="1100" dirty="0">
                 <a:latin typeface="Consolas"/>
                 <a:cs typeface="Consolas"/>
               </a:rPr>
-              <a:t>    implements WindowFunction&lt;</a:t>
-            </a:r>
-            <a:r>
-              <a:rPr lang="en-US" sz="1100">
+              <a:t>    </a:t>
+            </a:r>
+            <a:r>
+              <a:rPr lang="en-US" sz="1100" b="1" dirty="0">
+                <a:solidFill>
+                  <a:srgbClr val="000080"/>
+                </a:solidFill>
+                <a:latin typeface="Consolas"/>
+              </a:rPr>
+              <a:t>implements</a:t>
+            </a:r>
+            <a:r>
+              <a:rPr lang="en-US" sz="1100" dirty="0">
+                <a:latin typeface="Consolas"/>
+                <a:cs typeface="Consolas"/>
+              </a:rPr>
+              <a:t> </a:t>
+            </a:r>
+            <a:r>
+              <a:rPr lang="en-US" sz="1100" dirty="0" err="1">
+                <a:latin typeface="Consolas"/>
+                <a:cs typeface="Consolas"/>
+              </a:rPr>
+              <a:t>WindowFunction</a:t>
+            </a:r>
+            <a:r>
+              <a:rPr lang="en-US" sz="1100" dirty="0">
+                <a:latin typeface="Consolas"/>
+                <a:cs typeface="Consolas"/>
+              </a:rPr>
+              <a:t>&lt;</a:t>
+            </a:r>
+            <a:r>
+              <a:rPr lang="en-US" sz="1100" dirty="0">
                 <a:solidFill>
                   <a:srgbClr val="FF0000"/>
                 </a:solidFill>
                 <a:latin typeface="Consolas"/>
                 <a:cs typeface="Consolas"/>
               </a:rPr>
-              <a:t>Tuple3&lt;Integer,Long,Integer&gt;</a:t>
-            </a:r>
-            <a:r>
-              <a:rPr lang="en-US" sz="1100">
+              <a:t>Tuple3&lt;</a:t>
+            </a:r>
+            <a:r>
+              <a:rPr lang="en-US" sz="1100" dirty="0" err="1">
+                <a:solidFill>
+                  <a:srgbClr val="FF0000"/>
+                </a:solidFill>
                 <a:latin typeface="Consolas"/>
                 <a:cs typeface="Consolas"/>
               </a:rPr>
+              <a:t>Integer,Long,Integer</a:t>
+            </a:r>
+            <a:r>
+              <a:rPr lang="en-US" sz="1100" dirty="0">
+                <a:solidFill>
+                  <a:srgbClr val="FF0000"/>
+                </a:solidFill>
+                <a:latin typeface="Consolas"/>
+                <a:cs typeface="Consolas"/>
+              </a:rPr>
+              <a:t>&gt;</a:t>
+            </a:r>
+            <a:r>
+              <a:rPr lang="en-US" sz="1100" dirty="0">
+                <a:latin typeface="Consolas"/>
+                <a:cs typeface="Consolas"/>
+              </a:rPr>
               <a:t>, </a:t>
             </a:r>
             <a:r>
-              <a:rPr lang="en-US" sz="1100">
+              <a:rPr lang="en-US" sz="1100" dirty="0">
                 <a:solidFill>
                   <a:srgbClr val="FF0000"/>
                 </a:solidFill>
                 <a:latin typeface="Consolas"/>
                 <a:cs typeface="Consolas"/>
               </a:rPr>
-              <a:t>Tuple3&lt;Integer,Long,Integer&gt;</a:t>
-            </a:r>
-            <a:r>
-              <a:rPr lang="en-US" sz="1100">
+              <a:t>Tuple3&lt;</a:t>
+            </a:r>
+            <a:r>
+              <a:rPr lang="en-US" sz="1100" dirty="0" err="1">
+                <a:solidFill>
+                  <a:srgbClr val="FF0000"/>
+                </a:solidFill>
                 <a:latin typeface="Consolas"/>
                 <a:cs typeface="Consolas"/>
               </a:rPr>
-              <a:t>, Integer, TimeWindow&gt; {</a:t>
+              <a:t>Integer,Long,Integer</a:t>
+            </a:r>
+            <a:r>
+              <a:rPr lang="en-US" sz="1100" dirty="0">
+                <a:solidFill>
+                  <a:srgbClr val="FF0000"/>
+                </a:solidFill>
+                <a:latin typeface="Consolas"/>
+                <a:cs typeface="Consolas"/>
+              </a:rPr>
+              <a:t>&gt;</a:t>
+            </a:r>
+            <a:r>
+              <a:rPr lang="en-US" sz="1100" dirty="0">
+                <a:latin typeface="Consolas"/>
+                <a:cs typeface="Consolas"/>
+              </a:rPr>
+              <a:t>, Integer, </a:t>
+            </a:r>
+            <a:r>
+              <a:rPr lang="en-US" sz="1100" dirty="0" err="1">
+                <a:latin typeface="Consolas"/>
+                <a:cs typeface="Consolas"/>
+              </a:rPr>
+              <a:t>TimeWindow</a:t>
+            </a:r>
+            <a:r>
+              <a:rPr lang="en-US" sz="1100" dirty="0">
+                <a:latin typeface="Consolas"/>
+                <a:cs typeface="Consolas"/>
+              </a:rPr>
+              <a:t>&gt; {</a:t>
             </a:r>
           </a:p>
           <a:p>
@@ -10521,7 +11139,7 @@
               <a:buNone/>
             </a:pPr>
             <a:r>
-              <a:rPr lang="en-US" sz="1100">
+              <a:rPr lang="en-US" sz="1100" dirty="0">
                 <a:latin typeface="Consolas"/>
                 <a:cs typeface="Consolas"/>
               </a:rPr>
@@ -10536,11 +11154,41 @@
               <a:buNone/>
             </a:pPr>
             <a:r>
-              <a:rPr lang="en-US" sz="1100">
+              <a:rPr lang="en-US" sz="1100" dirty="0">
                 <a:latin typeface="Consolas"/>
                 <a:cs typeface="Consolas"/>
               </a:rPr>
-              <a:t>  public void apply(Integer age_key,</a:t>
+              <a:t>  </a:t>
+            </a:r>
+            <a:r>
+              <a:rPr lang="en-US" sz="1100" b="1" dirty="0">
+                <a:solidFill>
+                  <a:srgbClr val="000080"/>
+                </a:solidFill>
+                <a:latin typeface="Consolas"/>
+              </a:rPr>
+              <a:t>public void </a:t>
+            </a:r>
+            <a:r>
+              <a:rPr lang="en-US" sz="1100" dirty="0">
+                <a:latin typeface="Consolas"/>
+                <a:cs typeface="Consolas"/>
+              </a:rPr>
+              <a:t>apply(Integer </a:t>
+            </a:r>
+            <a:r>
+              <a:rPr lang="en-US" sz="1100" dirty="0" err="1">
+                <a:latin typeface="Consolas"/>
+                <a:cs typeface="Consolas"/>
+              </a:rPr>
+              <a:t>age_key</a:t>
+            </a:r>
+            <a:r>
+              <a:rPr lang="en-US" sz="1100" dirty="0">
+                <a:latin typeface="Consolas"/>
+                <a:cs typeface="Consolas"/>
+              </a:rPr>
+              <a:t>,</a:t>
             </a:r>
           </a:p>
           <a:p>
@@ -10551,11 +11199,25 @@
               <a:buNone/>
             </a:pPr>
             <a:r>
-              <a:rPr lang="en-US" sz="1100">
+              <a:rPr lang="en-US" sz="1100" dirty="0">
                 <a:latin typeface="Consolas"/>
                 <a:cs typeface="Consolas"/>
               </a:rPr>
-              <a:t>                    TimeWindow window,</a:t>
+              <a:t>                    </a:t>
+            </a:r>
+            <a:r>
+              <a:rPr lang="en-US" sz="1100" dirty="0" err="1">
+                <a:latin typeface="Consolas"/>
+                <a:cs typeface="Consolas"/>
+              </a:rPr>
+              <a:t>TimeWindow</a:t>
+            </a:r>
+            <a:r>
+              <a:rPr lang="en-US" sz="1100" dirty="0">
+                <a:latin typeface="Consolas"/>
+                <a:cs typeface="Consolas"/>
+              </a:rPr>
+              <a:t> window,</a:t>
             </a:r>
           </a:p>
           <a:p>
@@ -10566,24 +11228,58 @@
               <a:buNone/>
             </a:pPr>
             <a:r>
-              <a:rPr lang="en-US" sz="1100">
+              <a:rPr lang="en-US" sz="1100" dirty="0">
                 <a:latin typeface="Consolas"/>
                 <a:cs typeface="Consolas"/>
               </a:rPr>
-              <a:t>                    Iterable&lt;</a:t>
-            </a:r>
-            <a:r>
-              <a:rPr lang="en-US" sz="1100">
+              <a:t>                    </a:t>
+            </a:r>
+            <a:r>
+              <a:rPr lang="en-US" sz="1100" dirty="0" err="1">
+                <a:latin typeface="Consolas"/>
+                <a:cs typeface="Consolas"/>
+              </a:rPr>
+              <a:t>Iterable</a:t>
+            </a:r>
+            <a:r>
+              <a:rPr lang="en-US" sz="1100" dirty="0">
+                <a:latin typeface="Consolas"/>
+                <a:cs typeface="Consolas"/>
+              </a:rPr>
+              <a:t>&lt;</a:t>
+            </a:r>
+            <a:r>
+              <a:rPr lang="en-US" sz="1100" dirty="0">
                 <a:solidFill>
                   <a:srgbClr val="FF0000"/>
                 </a:solidFill>
                 <a:latin typeface="Consolas"/>
                 <a:cs typeface="Consolas"/>
               </a:rPr>
-              <a:t>Tuple3&lt;Integer,Long,Integer&gt;</a:t>
-            </a:r>
-            <a:r>
-              <a:rPr lang="en-US" sz="1100">
+              <a:t>Tuple3&lt;</a:t>
+            </a:r>
+            <a:r>
+              <a:rPr lang="en-US" sz="1100" dirty="0" err="1">
+                <a:solidFill>
+                  <a:srgbClr val="FF0000"/>
+                </a:solidFill>
+                <a:latin typeface="Consolas"/>
+                <a:cs typeface="Consolas"/>
+              </a:rPr>
+              <a:t>Integer,Long,Integer</a:t>
+            </a:r>
+            <a:r>
+              <a:rPr lang="en-US" sz="1100" dirty="0">
+                <a:solidFill>
+                  <a:srgbClr val="FF0000"/>
+                </a:solidFill>
+                <a:latin typeface="Consolas"/>
+                <a:cs typeface="Consolas"/>
+              </a:rPr>
+              <a:t>&gt;</a:t>
+            </a:r>
+            <a:r>
+              <a:rPr lang="en-US" sz="1100" dirty="0">
                 <a:latin typeface="Consolas"/>
                 <a:cs typeface="Consolas"/>
               </a:rPr>
@@ -10598,24 +11294,44 @@
               <a:buNone/>
             </a:pPr>
             <a:r>
-              <a:rPr lang="en-US" sz="1100">
+              <a:rPr lang="en-US" sz="1100" dirty="0">
                 <a:latin typeface="Consolas"/>
                 <a:cs typeface="Consolas"/>
               </a:rPr>
               <a:t>                    Collector&lt;</a:t>
             </a:r>
             <a:r>
-              <a:rPr lang="en-US" sz="1100">
+              <a:rPr lang="en-US" sz="1100" dirty="0">
                 <a:solidFill>
                   <a:srgbClr val="FF0000"/>
                 </a:solidFill>
                 <a:latin typeface="Consolas"/>
                 <a:cs typeface="Consolas"/>
               </a:rPr>
-              <a:t>Tuple3&lt;Integer,Long,Integer&gt;</a:t>
-            </a:r>
-            <a:r>
-              <a:rPr lang="en-US" sz="1100">
+              <a:t>Tuple3&lt;</a:t>
+            </a:r>
+            <a:r>
+              <a:rPr lang="en-US" sz="1100" dirty="0" err="1">
+                <a:solidFill>
+                  <a:srgbClr val="FF0000"/>
+                </a:solidFill>
+                <a:latin typeface="Consolas"/>
+                <a:cs typeface="Consolas"/>
+              </a:rPr>
+              <a:t>Integer,Long,Integer</a:t>
+            </a:r>
+            <a:r>
+              <a:rPr lang="en-US" sz="1100" dirty="0">
+                <a:solidFill>
+                  <a:srgbClr val="FF0000"/>
+                </a:solidFill>
+                <a:latin typeface="Consolas"/>
+                <a:cs typeface="Consolas"/>
+              </a:rPr>
+              <a:t>&gt;</a:t>
+            </a:r>
+            <a:r>
+              <a:rPr lang="en-US" sz="1100" dirty="0">
                 <a:latin typeface="Consolas"/>
                 <a:cs typeface="Consolas"/>
               </a:rPr>
@@ -10630,11 +11346,39 @@
               <a:buNone/>
             </a:pPr>
             <a:r>
-              <a:rPr lang="en-US" sz="1100">
+              <a:rPr lang="en-US" sz="1100" dirty="0">
                 <a:latin typeface="Consolas"/>
                 <a:cs typeface="Consolas"/>
               </a:rPr>
-              <a:t>    Integer count = counts.iterator().next().getField(2);</a:t>
+              <a:t>    Integer count = </a:t>
+            </a:r>
+            <a:r>
+              <a:rPr lang="en-US" sz="1100" dirty="0" err="1">
+                <a:latin typeface="Consolas"/>
+                <a:cs typeface="Consolas"/>
+              </a:rPr>
+              <a:t>counts.iterator</a:t>
+            </a:r>
+            <a:r>
+              <a:rPr lang="en-US" sz="1100" dirty="0">
+                <a:latin typeface="Consolas"/>
+                <a:cs typeface="Consolas"/>
+              </a:rPr>
+              <a:t>().next().</a:t>
+            </a:r>
+            <a:r>
+              <a:rPr lang="en-US" sz="1100" dirty="0" err="1">
+                <a:latin typeface="Consolas"/>
+                <a:cs typeface="Consolas"/>
+              </a:rPr>
+              <a:t>getField</a:t>
+            </a:r>
+            <a:r>
+              <a:rPr lang="en-US" sz="1100" dirty="0">
+                <a:latin typeface="Consolas"/>
+                <a:cs typeface="Consolas"/>
+              </a:rPr>
+              <a:t>(2);</a:t>
             </a:r>
           </a:p>
           <a:p>
@@ -10645,28 +11389,90 @@
               <a:buNone/>
             </a:pPr>
             <a:r>
-              <a:rPr lang="en-US" sz="1100">
+              <a:rPr lang="en-US" sz="1100" dirty="0">
                 <a:latin typeface="Consolas"/>
                 <a:cs typeface="Consolas"/>
               </a:rPr>
-              <a:t>    out.collect(new </a:t>
-            </a:r>
-            <a:r>
-              <a:rPr lang="en-US" sz="1100">
+              <a:t>    </a:t>
+            </a:r>
+            <a:r>
+              <a:rPr lang="en-US" sz="1100" dirty="0" err="1">
+                <a:latin typeface="Consolas"/>
+                <a:cs typeface="Consolas"/>
+              </a:rPr>
+              <a:t>out.collect</a:t>
+            </a:r>
+            <a:r>
+              <a:rPr lang="en-US" sz="1100" dirty="0">
+                <a:latin typeface="Consolas"/>
+                <a:cs typeface="Consolas"/>
+              </a:rPr>
+              <a:t>(new </a:t>
+            </a:r>
+            <a:r>
+              <a:rPr lang="en-US" sz="1100" dirty="0">
                 <a:solidFill>
                   <a:srgbClr val="FF0000"/>
                 </a:solidFill>
                 <a:latin typeface="Consolas"/>
                 <a:cs typeface="Consolas"/>
               </a:rPr>
-              <a:t>Tuple3&lt;Integer,Long,Integer&gt;</a:t>
-            </a:r>
-            <a:r>
-              <a:rPr lang="en-US" sz="1100">
+              <a:t>Tuple3&lt;</a:t>
+            </a:r>
+            <a:r>
+              <a:rPr lang="en-US" sz="1100" dirty="0" err="1">
+                <a:solidFill>
+                  <a:srgbClr val="FF0000"/>
+                </a:solidFill>
                 <a:latin typeface="Consolas"/>
                 <a:cs typeface="Consolas"/>
               </a:rPr>
-              <a:t>(age_key, window.getEnd(), count));</a:t>
+              <a:t>Integer,Long,Integer</a:t>
+            </a:r>
+            <a:r>
+              <a:rPr lang="en-US" sz="1100" dirty="0">
+                <a:solidFill>
+                  <a:srgbClr val="FF0000"/>
+                </a:solidFill>
+                <a:latin typeface="Consolas"/>
+                <a:cs typeface="Consolas"/>
+              </a:rPr>
+              <a:t>&gt;</a:t>
+            </a:r>
+            <a:r>
+              <a:rPr lang="en-US" sz="1100" dirty="0">
+                <a:latin typeface="Consolas"/>
+                <a:cs typeface="Consolas"/>
+              </a:rPr>
+              <a:t>(</a:t>
+            </a:r>
+            <a:r>
+              <a:rPr lang="en-US" sz="1100" dirty="0" err="1">
+                <a:latin typeface="Consolas"/>
+                <a:cs typeface="Consolas"/>
+              </a:rPr>
+              <a:t>age_key</a:t>
+            </a:r>
+            <a:r>
+              <a:rPr lang="en-US" sz="1100" dirty="0">
+                <a:latin typeface="Consolas"/>
+                <a:cs typeface="Consolas"/>
+              </a:rPr>
+              <a:t>, </a:t>
+            </a:r>
+            <a:r>
+              <a:rPr lang="en-US" sz="1100" dirty="0" err="1">
+                <a:latin typeface="Consolas"/>
+                <a:cs typeface="Consolas"/>
+              </a:rPr>
+              <a:t>window.getEnd</a:t>
+            </a:r>
+            <a:r>
+              <a:rPr lang="en-US" sz="1100" dirty="0">
+                <a:latin typeface="Consolas"/>
+                <a:cs typeface="Consolas"/>
+              </a:rPr>
+              <a:t>(), count));</a:t>
             </a:r>
           </a:p>
           <a:p>
@@ -10677,7 +11483,7 @@
               <a:buNone/>
             </a:pPr>
             <a:r>
-              <a:rPr lang="en-US" sz="1100">
+              <a:rPr lang="en-US" sz="1100" dirty="0">
                 <a:latin typeface="Consolas"/>
                 <a:cs typeface="Consolas"/>
               </a:rPr>
@@ -10692,7 +11498,7 @@
               <a:buNone/>
             </a:pPr>
             <a:r>
-              <a:rPr lang="en-US" sz="1100">
+              <a:rPr lang="en-US" sz="1100" dirty="0">
                 <a:latin typeface="Consolas"/>
                 <a:cs typeface="Consolas"/>
               </a:rPr>
@@ -16972,9 +17778,26 @@
           <a:p>
             <a:pPr lvl="1"/>
             <a:r>
+              <a:rPr lang="x-none" dirty="0" smtClean="0"/>
+              <a:t>You cannot </a:t>
+            </a:r>
+            <a:r>
               <a:rPr lang="x-none" dirty="0"/>
-              <a:t>e.g., it is not possible to count all elements of an unbounded DataStream</a:t>
-            </a:r>
+              <a:t>count all </a:t>
+            </a:r>
+            <a:r>
+              <a:rPr lang="x-none" dirty="0" smtClean="0"/>
+              <a:t>records </a:t>
+            </a:r>
+            <a:r>
+              <a:rPr lang="x-none" dirty="0"/>
+              <a:t>of an </a:t>
+            </a:r>
+            <a:r>
+              <a:rPr lang="x-none" dirty="0" smtClean="0"/>
+              <a:t>infinite stream</a:t>
+            </a:r>
+            <a:endParaRPr lang="x-none" dirty="0"/>
           </a:p>
           <a:p>
             <a:pPr lvl="8"/>
@@ -16989,8 +17812,12 @@
           <a:p>
             <a:pPr lvl="1"/>
             <a:r>
+              <a:rPr lang="x-none" dirty="0" smtClean="0"/>
+              <a:t>A </a:t>
+            </a:r>
+            <a:r>
               <a:rPr lang="x-none" dirty="0"/>
-              <a:t>i.e., a finite subset of stream element</a:t>
+              <a:t>finite subset of stream element</a:t>
             </a:r>
             <a:r>
               <a:rPr lang="en-US" dirty="0"/>
@@ -17216,10 +18043,9 @@
           <a:lstStyle/>
           <a:p>
             <a:r>
-              <a:rPr lang="en-US"/>
+              <a:rPr lang="en-US" dirty="0"/>
               <a:t>Watermarks</a:t>
             </a:r>
-            <a:endParaRPr lang="en-US" dirty="0"/>
           </a:p>
         </p:txBody>
       </p:sp>
@@ -17752,15 +18578,15 @@
           <a:lstStyle/>
           <a:p>
             <a:r>
-              <a:rPr lang="en-US" sz="2800" dirty="0">
-                <a:solidFill>
-                  <a:srgbClr val="000000"/>
+              <a:rPr lang="en-US" sz="2900" dirty="0">
+                <a:solidFill>
+                  <a:srgbClr val="333333"/>
                 </a:solidFill>
                 <a:latin typeface="Calibri" charset="0"/>
               </a:rPr>
-              <a:t>BoundedOutOfOrdernessTimestampExtractor&lt;T&gt;</a:t>
-            </a:r>
-            <a:endParaRPr lang="en-US" sz="2800" dirty="0">
+              <a:t>Timestamp Assigners / Watermark Generators</a:t>
+            </a:r>
+            <a:endParaRPr lang="en-US" sz="2900" dirty="0">
               <a:latin typeface="Calibri" charset="0"/>
             </a:endParaRPr>
           </a:p>
@@ -17779,28 +18605,66 @@
         <p:spPr/>
         <p:txBody>
           <a:bodyPr vert="horz" lIns="91440" tIns="45720" rIns="91440" bIns="45720" rtlCol="0" anchor="t">
-            <a:normAutofit lnSpcReduction="10000"/>
+            <a:normAutofit fontScale="92500" lnSpcReduction="20000"/>
           </a:bodyPr>
           <a:lstStyle/>
           <a:p>
             <a:r>
+              <a:rPr lang="en-US" dirty="0" smtClean="0"/>
+              <a:t>There are different types of timestamp extractors</a:t>
+            </a:r>
+          </a:p>
+          <a:p>
+            <a:endParaRPr lang="en-US" dirty="0"/>
+          </a:p>
+          <a:p>
+            <a:r>
+              <a:rPr lang="en-US" dirty="0" err="1">
+                <a:solidFill>
+                  <a:srgbClr val="000000"/>
+                </a:solidFill>
+                <a:latin typeface="Calibri" charset="0"/>
+              </a:rPr>
+              <a:t>BoundedOutOfOrdernessTimestampExtractor</a:t>
+            </a:r>
+            <a:endParaRPr lang="en-US" dirty="0" smtClean="0"/>
+          </a:p>
+          <a:p>
+            <a:pPr lvl="1"/>
+            <a:r>
+              <a:rPr lang="en-US" dirty="0" smtClean="0"/>
+              <a:t>Periodically </a:t>
+            </a:r>
+            <a:r>
               <a:rPr lang="en-US" dirty="0"/>
-              <a:t>Periodically emits watermarks that lag a fixed amount of time behind the max timestamp seen so far</a:t>
+              <a:t>emits watermarks that lag a fixed amount of time behind the max timestamp seen so far</a:t>
             </a:r>
           </a:p>
           <a:p>
             <a:endParaRPr lang="en-US" dirty="0"/>
           </a:p>
           <a:p>
+            <a:pPr lvl="1"/>
             <a:r>
               <a:rPr lang="en-US" dirty="0"/>
-              <a:t>To use, subclass and implement</a:t>
-            </a:r>
-          </a:p>
-          <a:p>
-            <a:pPr marL="0" indent="0">
-              <a:buNone/>
-            </a:pPr>
+              <a:t>To use, subclass and </a:t>
+            </a:r>
+            <a:r>
+              <a:rPr lang="en-US" dirty="0" smtClean="0"/>
+              <a:t>implement</a:t>
+            </a:r>
+            <a:br>
+              <a:rPr lang="en-US" dirty="0" smtClean="0"/>
+            </a:br>
+            <a:r>
+              <a:rPr lang="en-US" sz="2000" dirty="0" smtClean="0">
+                <a:solidFill>
+                  <a:srgbClr val="353833"/>
+                </a:solidFill>
+                <a:latin typeface="Consolas" charset="0"/>
+              </a:rPr>
+              <a:t>public </a:t>
+            </a:r>
             <a:r>
               <a:rPr lang="en-US" sz="2000" dirty="0">
                 <a:solidFill>
@@ -17808,7 +18672,7 @@
                 </a:solidFill>
                 <a:latin typeface="Consolas" charset="0"/>
               </a:rPr>
-              <a:t>   public abstract long extractTimestamp(T element)</a:t>
+              <a:t>abstract long extractTimestamp(T element)</a:t>
             </a:r>
             <a:endParaRPr lang="en-US" sz="2000" dirty="0">
               <a:latin typeface="Consolas" charset="0"/>
@@ -17820,23 +18684,22 @@
             </a:endParaRPr>
           </a:p>
           <a:p>
-            <a:r>
-              <a:rPr lang="en-US" dirty="0"/>
+            <a:pPr lvl="1"/>
+            <a:r>
+              <a:rPr lang="en-US" dirty="0" smtClean="0"/>
               <a:t>Constructor</a:t>
             </a:r>
-          </a:p>
-          <a:p>
-            <a:pPr marL="0" indent="0">
-              <a:buNone/>
-            </a:pPr>
-            <a:r>
-              <a:rPr lang="en-US" sz="2000" dirty="0">
+            <a:br>
+              <a:rPr lang="en-US" dirty="0" smtClean="0"/>
+            </a:br>
+            <a:r>
+              <a:rPr lang="en-US" sz="2000" dirty="0" smtClean="0">
                 <a:solidFill>
                   <a:srgbClr val="353833"/>
                 </a:solidFill>
                 <a:latin typeface="Consolas"/>
               </a:rPr>
-              <a:t>   public </a:t>
+              <a:t>public </a:t>
             </a:r>
             <a:r>
               <a:rPr lang="en-US" sz="2000" dirty="0">
@@ -17862,7 +18725,25 @@
                 </a:solidFill>
                 <a:latin typeface="Consolas" charset="0"/>
               </a:rPr>
-              <a:t>    Time maxOutOfOrderness)</a:t>
+              <a:t>     </a:t>
+            </a:r>
+            <a:r>
+              <a:rPr lang="en-US" sz="2000" dirty="0" smtClean="0">
+                <a:solidFill>
+                  <a:srgbClr val="353833"/>
+                </a:solidFill>
+                <a:latin typeface="Consolas" charset="0"/>
+              </a:rPr>
+              <a:t>Time </a:t>
+            </a:r>
+            <a:r>
+              <a:rPr lang="en-US" sz="2000" dirty="0">
+                <a:solidFill>
+                  <a:srgbClr val="353833"/>
+                </a:solidFill>
+                <a:latin typeface="Consolas" charset="0"/>
+              </a:rPr>
+              <a:t>maxOutOfOrderness)</a:t>
             </a:r>
             <a:endParaRPr lang="en-US" sz="2000" dirty="0">
               <a:latin typeface="Consolas" charset="0"/>
@@ -18406,8 +19287,12 @@
           <a:lstStyle/>
           <a:p>
             <a:r>
-              <a:rPr lang="en-US"/>
-              <a:t>Fixed length, non-overlapping windows.</a:t>
+              <a:rPr lang="en-US" dirty="0" smtClean="0"/>
+              <a:t>Aligned, fixed </a:t>
+            </a:r>
+            <a:r>
+              <a:rPr lang="en-US" dirty="0"/>
+              <a:t>length, non-overlapping windows.</a:t>
             </a:r>
           </a:p>
         </p:txBody>
@@ -18553,9 +19438,10 @@
           <a:lstStyle/>
           <a:p>
             <a:r>
-              <a:rPr lang="en-US" dirty="0"/>
-              <a:t>Like tumbling windows, but overlapping.</a:t>
-            </a:r>
+              <a:rPr lang="en-US" dirty="0" smtClean="0"/>
+              <a:t>Aligned, fixed length, overlapping windows.</a:t>
+            </a:r>
+            <a:endParaRPr lang="en-US" dirty="0"/>
           </a:p>
         </p:txBody>
       </p:sp>
@@ -18701,8 +19587,13 @@
           <a:p>
             <a:r>
               <a:rPr lang="en-US" dirty="0"/>
-              <a:t>Non-aligned, per-key windows.</a:t>
-            </a:r>
+              <a:t>Non-aligned, </a:t>
+            </a:r>
+            <a:r>
+              <a:rPr lang="en-US" dirty="0" smtClean="0"/>
+              <a:t>variable length windows.</a:t>
+            </a:r>
+            <a:endParaRPr lang="en-US" dirty="0"/>
           </a:p>
         </p:txBody>
       </p:sp>
@@ -19640,7 +20531,7 @@
             <a:r>
               <a:rPr lang="en-US" sz="2400" dirty="0" err="1">
                 <a:solidFill>
-                  <a:srgbClr val="34AD92"/>
+                  <a:srgbClr val="000000"/>
                 </a:solidFill>
                 <a:latin typeface="Consolas"/>
                 <a:cs typeface="Consolas"/>
@@ -19702,7 +20593,7 @@
             <a:r>
               <a:rPr lang="en-US" sz="2400" dirty="0" err="1">
                 <a:solidFill>
-                  <a:srgbClr val="34AD92"/>
+                  <a:srgbClr val="000000"/>
                 </a:solidFill>
                 <a:latin typeface="Consolas"/>
                 <a:cs typeface="Consolas"/>

--- a/slides/flink_stream_windows.pptx
+++ b/slides/flink_stream_windows.pptx
@@ -31965,7 +31965,7 @@
                 <a:cs typeface="Consolas"/>
                 <a:sym typeface="Consolas"/>
               </a:rPr>
-              <a:t>.timeWindow(Time.minutes(1)</a:t>
+              <a:t>.timeWindow(Time.minutes(1))</a:t>
             </a:r>
             <a:br>
               <a:rPr b="0" i="0" lang="en" sz="2035" u="none" cap="none" strike="noStrike">
@@ -32779,6 +32779,285 @@
 </file>
 
 <file path=ppt/theme/theme1.xml><?xml version="1.0" encoding="utf-8"?>
+<a:theme xmlns:a="http://schemas.openxmlformats.org/drawingml/2006/main" xmlns:r="http://schemas.openxmlformats.org/officeDocument/2006/relationships" name="1_Office Theme">
+  <a:themeElements>
+    <a:clrScheme name="Office">
+      <a:dk1>
+        <a:srgbClr val="000000"/>
+      </a:dk1>
+      <a:lt1>
+        <a:srgbClr val="FFFFFF"/>
+      </a:lt1>
+      <a:dk2>
+        <a:srgbClr val="1F497D"/>
+      </a:dk2>
+      <a:lt2>
+        <a:srgbClr val="EEECE1"/>
+      </a:lt2>
+      <a:accent1>
+        <a:srgbClr val="4F81BD"/>
+      </a:accent1>
+      <a:accent2>
+        <a:srgbClr val="C0504D"/>
+      </a:accent2>
+      <a:accent3>
+        <a:srgbClr val="9BBB59"/>
+      </a:accent3>
+      <a:accent4>
+        <a:srgbClr val="8064A2"/>
+      </a:accent4>
+      <a:accent5>
+        <a:srgbClr val="4BACC6"/>
+      </a:accent5>
+      <a:accent6>
+        <a:srgbClr val="F79646"/>
+      </a:accent6>
+      <a:hlink>
+        <a:srgbClr val="0000FF"/>
+      </a:hlink>
+      <a:folHlink>
+        <a:srgbClr val="800080"/>
+      </a:folHlink>
+    </a:clrScheme>
+    <a:fontScheme name="Office">
+      <a:majorFont>
+        <a:latin typeface="Arial"/>
+        <a:ea typeface=""/>
+        <a:cs typeface=""/>
+        <a:font script="Jpan" typeface="ＭＳ Ｐゴシック"/>
+        <a:font script="Hang" typeface="맑은 고딕"/>
+        <a:font script="Hans" typeface="宋体"/>
+        <a:font script="Hant" typeface="新細明體"/>
+        <a:font script="Arab" typeface="Times New Roman"/>
+        <a:font script="Hebr" typeface="Times New Roman"/>
+        <a:font script="Thai" typeface="Angsana New"/>
+        <a:font script="Ethi" typeface="Nyala"/>
+        <a:font script="Beng" typeface="Vrinda"/>
+        <a:font script="Gujr" typeface="Shruti"/>
+        <a:font script="Khmr" typeface="MoolBoran"/>
+        <a:font script="Knda" typeface="Tunga"/>
+        <a:font script="Guru" typeface="Raavi"/>
+        <a:font script="Cans" typeface="Euphemia"/>
+        <a:font script="Cher" typeface="Plantagenet Cherokee"/>
+        <a:font script="Yiii" typeface="Microsoft Yi Baiti"/>
+        <a:font script="Tibt" typeface="Microsoft Himalaya"/>
+        <a:font script="Thaa" typeface="MV Boli"/>
+        <a:font script="Deva" typeface="Mangal"/>
+        <a:font script="Telu" typeface="Gautami"/>
+        <a:font script="Taml" typeface="Latha"/>
+        <a:font script="Syrc" typeface="Estrangelo Edessa"/>
+        <a:font script="Orya" typeface="Kalinga"/>
+        <a:font script="Mlym" typeface="Kartika"/>
+        <a:font script="Laoo" typeface="DokChampa"/>
+        <a:font script="Sinh" typeface="Iskoola Pota"/>
+        <a:font script="Mong" typeface="Mongolian Baiti"/>
+        <a:font script="Viet" typeface="Times New Roman"/>
+        <a:font script="Uigh" typeface="Microsoft Uighur"/>
+        <a:font script="Geor" typeface="Sylfaen"/>
+      </a:majorFont>
+      <a:minorFont>
+        <a:latin typeface="Arial"/>
+        <a:ea typeface=""/>
+        <a:cs typeface=""/>
+        <a:font script="Jpan" typeface="ＭＳ Ｐゴシック"/>
+        <a:font script="Hang" typeface="맑은 고딕"/>
+        <a:font script="Hans" typeface="宋体"/>
+        <a:font script="Hant" typeface="新細明體"/>
+        <a:font script="Arab" typeface="Arial"/>
+        <a:font script="Hebr" typeface="Arial"/>
+        <a:font script="Thai" typeface="Cordia New"/>
+        <a:font script="Ethi" typeface="Nyala"/>
+        <a:font script="Beng" typeface="Vrinda"/>
+        <a:font script="Gujr" typeface="Shruti"/>
+        <a:font script="Khmr" typeface="DaunPenh"/>
+        <a:font script="Knda" typeface="Tunga"/>
+        <a:font script="Guru" typeface="Raavi"/>
+        <a:font script="Cans" typeface="Euphemia"/>
+        <a:font script="Cher" typeface="Plantagenet Cherokee"/>
+        <a:font script="Yiii" typeface="Microsoft Yi Baiti"/>
+        <a:font script="Tibt" typeface="Microsoft Himalaya"/>
+        <a:font script="Thaa" typeface="MV Boli"/>
+        <a:font script="Deva" typeface="Mangal"/>
+        <a:font script="Telu" typeface="Gautami"/>
+        <a:font script="Taml" typeface="Latha"/>
+        <a:font script="Syrc" typeface="Estrangelo Edessa"/>
+        <a:font script="Orya" typeface="Kalinga"/>
+        <a:font script="Mlym" typeface="Kartika"/>
+        <a:font script="Laoo" typeface="DokChampa"/>
+        <a:font script="Sinh" typeface="Iskoola Pota"/>
+        <a:font script="Mong" typeface="Mongolian Baiti"/>
+        <a:font script="Viet" typeface="Arial"/>
+        <a:font script="Uigh" typeface="Microsoft Uighur"/>
+        <a:font script="Geor" typeface="Sylfaen"/>
+      </a:minorFont>
+    </a:fontScheme>
+    <a:fmtScheme name="Office">
+      <a:fillStyleLst>
+        <a:solidFill>
+          <a:schemeClr val="phClr"/>
+        </a:solidFill>
+        <a:gradFill rotWithShape="1">
+          <a:gsLst>
+            <a:gs pos="0">
+              <a:schemeClr val="phClr">
+                <a:tint val="50000"/>
+                <a:satMod val="300000"/>
+              </a:schemeClr>
+            </a:gs>
+            <a:gs pos="35000">
+              <a:schemeClr val="phClr">
+                <a:tint val="37000"/>
+                <a:satMod val="300000"/>
+              </a:schemeClr>
+            </a:gs>
+            <a:gs pos="100000">
+              <a:schemeClr val="phClr">
+                <a:tint val="15000"/>
+                <a:satMod val="350000"/>
+              </a:schemeClr>
+            </a:gs>
+          </a:gsLst>
+          <a:lin ang="16200000" scaled="1"/>
+        </a:gradFill>
+        <a:gradFill rotWithShape="1">
+          <a:gsLst>
+            <a:gs pos="0">
+              <a:schemeClr val="phClr">
+                <a:tint val="100000"/>
+                <a:shade val="100000"/>
+                <a:satMod val="130000"/>
+              </a:schemeClr>
+            </a:gs>
+            <a:gs pos="100000">
+              <a:schemeClr val="phClr">
+                <a:tint val="50000"/>
+                <a:shade val="100000"/>
+                <a:satMod val="350000"/>
+              </a:schemeClr>
+            </a:gs>
+          </a:gsLst>
+          <a:lin ang="16200000" scaled="0"/>
+        </a:gradFill>
+      </a:fillStyleLst>
+      <a:lnStyleLst>
+        <a:ln w="9525" cap="flat" cmpd="sng" algn="ctr">
+          <a:solidFill>
+            <a:schemeClr val="phClr">
+              <a:shade val="95000"/>
+              <a:satMod val="105000"/>
+            </a:schemeClr>
+          </a:solidFill>
+          <a:prstDash val="solid"/>
+        </a:ln>
+        <a:ln w="25400" cap="flat" cmpd="sng" algn="ctr">
+          <a:solidFill>
+            <a:schemeClr val="phClr"/>
+          </a:solidFill>
+          <a:prstDash val="solid"/>
+        </a:ln>
+        <a:ln w="38100" cap="flat" cmpd="sng" algn="ctr">
+          <a:solidFill>
+            <a:schemeClr val="phClr"/>
+          </a:solidFill>
+          <a:prstDash val="solid"/>
+        </a:ln>
+      </a:lnStyleLst>
+      <a:effectStyleLst>
+        <a:effectStyle>
+          <a:effectLst>
+            <a:outerShdw blurRad="40000" dist="20000" dir="5400000" rotWithShape="0">
+              <a:srgbClr val="000000">
+                <a:alpha val="38000"/>
+              </a:srgbClr>
+            </a:outerShdw>
+          </a:effectLst>
+        </a:effectStyle>
+        <a:effectStyle>
+          <a:effectLst>
+            <a:outerShdw blurRad="40000" dist="23000" dir="5400000" rotWithShape="0">
+              <a:srgbClr val="000000">
+                <a:alpha val="35000"/>
+              </a:srgbClr>
+            </a:outerShdw>
+          </a:effectLst>
+        </a:effectStyle>
+        <a:effectStyle>
+          <a:effectLst>
+            <a:outerShdw blurRad="40000" dist="23000" dir="5400000" rotWithShape="0">
+              <a:srgbClr val="000000">
+                <a:alpha val="35000"/>
+              </a:srgbClr>
+            </a:outerShdw>
+          </a:effectLst>
+          <a:scene3d>
+            <a:camera prst="orthographicFront">
+              <a:rot lat="0" lon="0" rev="0"/>
+            </a:camera>
+            <a:lightRig rig="threePt" dir="t">
+              <a:rot lat="0" lon="0" rev="1200000"/>
+            </a:lightRig>
+          </a:scene3d>
+          <a:sp3d>
+            <a:bevelT w="63500" h="25400"/>
+          </a:sp3d>
+        </a:effectStyle>
+      </a:effectStyleLst>
+      <a:bgFillStyleLst>
+        <a:solidFill>
+          <a:schemeClr val="phClr"/>
+        </a:solidFill>
+        <a:gradFill rotWithShape="1">
+          <a:gsLst>
+            <a:gs pos="0">
+              <a:schemeClr val="phClr">
+                <a:tint val="40000"/>
+                <a:satMod val="350000"/>
+              </a:schemeClr>
+            </a:gs>
+            <a:gs pos="40000">
+              <a:schemeClr val="phClr">
+                <a:tint val="45000"/>
+                <a:shade val="99000"/>
+                <a:satMod val="350000"/>
+              </a:schemeClr>
+            </a:gs>
+            <a:gs pos="100000">
+              <a:schemeClr val="phClr">
+                <a:shade val="20000"/>
+                <a:satMod val="255000"/>
+              </a:schemeClr>
+            </a:gs>
+          </a:gsLst>
+          <a:path path="circle">
+            <a:fillToRect l="50000" t="-80000" r="50000" b="180000"/>
+          </a:path>
+        </a:gradFill>
+        <a:gradFill rotWithShape="1">
+          <a:gsLst>
+            <a:gs pos="0">
+              <a:schemeClr val="phClr">
+                <a:tint val="80000"/>
+                <a:satMod val="300000"/>
+              </a:schemeClr>
+            </a:gs>
+            <a:gs pos="100000">
+              <a:schemeClr val="phClr">
+                <a:shade val="30000"/>
+                <a:satMod val="200000"/>
+              </a:schemeClr>
+            </a:gs>
+          </a:gsLst>
+          <a:path path="circle">
+            <a:fillToRect l="50000" t="50000" r="50000" b="50000"/>
+          </a:path>
+        </a:gradFill>
+      </a:bgFillStyleLst>
+    </a:fmtScheme>
+  </a:themeElements>
+</a:theme>
+</file>
+
+<file path=ppt/theme/theme2.xml><?xml version="1.0" encoding="utf-8"?>
 <a:theme xmlns:a="http://schemas.openxmlformats.org/drawingml/2006/main" xmlns:r="http://schemas.openxmlformats.org/officeDocument/2006/relationships" name="Custom Theme">
   <a:themeElements>
     <a:clrScheme name="Default">
@@ -33055,283 +33334,4 @@
     </a:fmtScheme>
   </a:themeElements>
 </a:theme>
-</file>
-
-<file path=ppt/theme/theme2.xml><?xml version="1.0" encoding="utf-8"?>
-<a:theme xmlns:a="http://schemas.openxmlformats.org/drawingml/2006/main" xmlns:r="http://schemas.openxmlformats.org/officeDocument/2006/relationships" name="1_Office Theme">
-  <a:themeElements>
-    <a:clrScheme name="Office">
-      <a:dk1>
-        <a:srgbClr val="000000"/>
-      </a:dk1>
-      <a:lt1>
-        <a:srgbClr val="FFFFFF"/>
-      </a:lt1>
-      <a:dk2>
-        <a:srgbClr val="1F497D"/>
-      </a:dk2>
-      <a:lt2>
-        <a:srgbClr val="EEECE1"/>
-      </a:lt2>
-      <a:accent1>
-        <a:srgbClr val="4F81BD"/>
-      </a:accent1>
-      <a:accent2>
-        <a:srgbClr val="C0504D"/>
-      </a:accent2>
-      <a:accent3>
-        <a:srgbClr val="9BBB59"/>
-      </a:accent3>
-      <a:accent4>
-        <a:srgbClr val="8064A2"/>
-      </a:accent4>
-      <a:accent5>
-        <a:srgbClr val="4BACC6"/>
-      </a:accent5>
-      <a:accent6>
-        <a:srgbClr val="F79646"/>
-      </a:accent6>
-      <a:hlink>
-        <a:srgbClr val="0000FF"/>
-      </a:hlink>
-      <a:folHlink>
-        <a:srgbClr val="800080"/>
-      </a:folHlink>
-    </a:clrScheme>
-    <a:fontScheme name="Office">
-      <a:majorFont>
-        <a:latin typeface="Arial"/>
-        <a:ea typeface=""/>
-        <a:cs typeface=""/>
-        <a:font script="Jpan" typeface="ＭＳ Ｐゴシック"/>
-        <a:font script="Hang" typeface="맑은 고딕"/>
-        <a:font script="Hans" typeface="宋体"/>
-        <a:font script="Hant" typeface="新細明體"/>
-        <a:font script="Arab" typeface="Times New Roman"/>
-        <a:font script="Hebr" typeface="Times New Roman"/>
-        <a:font script="Thai" typeface="Angsana New"/>
-        <a:font script="Ethi" typeface="Nyala"/>
-        <a:font script="Beng" typeface="Vrinda"/>
-        <a:font script="Gujr" typeface="Shruti"/>
-        <a:font script="Khmr" typeface="MoolBoran"/>
-        <a:font script="Knda" typeface="Tunga"/>
-        <a:font script="Guru" typeface="Raavi"/>
-        <a:font script="Cans" typeface="Euphemia"/>
-        <a:font script="Cher" typeface="Plantagenet Cherokee"/>
-        <a:font script="Yiii" typeface="Microsoft Yi Baiti"/>
-        <a:font script="Tibt" typeface="Microsoft Himalaya"/>
-        <a:font script="Thaa" typeface="MV Boli"/>
-        <a:font script="Deva" typeface="Mangal"/>
-        <a:font script="Telu" typeface="Gautami"/>
-        <a:font script="Taml" typeface="Latha"/>
-        <a:font script="Syrc" typeface="Estrangelo Edessa"/>
-        <a:font script="Orya" typeface="Kalinga"/>
-        <a:font script="Mlym" typeface="Kartika"/>
-        <a:font script="Laoo" typeface="DokChampa"/>
-        <a:font script="Sinh" typeface="Iskoola Pota"/>
-        <a:font script="Mong" typeface="Mongolian Baiti"/>
-        <a:font script="Viet" typeface="Times New Roman"/>
-        <a:font script="Uigh" typeface="Microsoft Uighur"/>
-        <a:font script="Geor" typeface="Sylfaen"/>
-      </a:majorFont>
-      <a:minorFont>
-        <a:latin typeface="Arial"/>
-        <a:ea typeface=""/>
-        <a:cs typeface=""/>
-        <a:font script="Jpan" typeface="ＭＳ Ｐゴシック"/>
-        <a:font script="Hang" typeface="맑은 고딕"/>
-        <a:font script="Hans" typeface="宋体"/>
-        <a:font script="Hant" typeface="新細明體"/>
-        <a:font script="Arab" typeface="Arial"/>
-        <a:font script="Hebr" typeface="Arial"/>
-        <a:font script="Thai" typeface="Cordia New"/>
-        <a:font script="Ethi" typeface="Nyala"/>
-        <a:font script="Beng" typeface="Vrinda"/>
-        <a:font script="Gujr" typeface="Shruti"/>
-        <a:font script="Khmr" typeface="DaunPenh"/>
-        <a:font script="Knda" typeface="Tunga"/>
-        <a:font script="Guru" typeface="Raavi"/>
-        <a:font script="Cans" typeface="Euphemia"/>
-        <a:font script="Cher" typeface="Plantagenet Cherokee"/>
-        <a:font script="Yiii" typeface="Microsoft Yi Baiti"/>
-        <a:font script="Tibt" typeface="Microsoft Himalaya"/>
-        <a:font script="Thaa" typeface="MV Boli"/>
-        <a:font script="Deva" typeface="Mangal"/>
-        <a:font script="Telu" typeface="Gautami"/>
-        <a:font script="Taml" typeface="Latha"/>
-        <a:font script="Syrc" typeface="Estrangelo Edessa"/>
-        <a:font script="Orya" typeface="Kalinga"/>
-        <a:font script="Mlym" typeface="Kartika"/>
-        <a:font script="Laoo" typeface="DokChampa"/>
-        <a:font script="Sinh" typeface="Iskoola Pota"/>
-        <a:font script="Mong" typeface="Mongolian Baiti"/>
-        <a:font script="Viet" typeface="Arial"/>
-        <a:font script="Uigh" typeface="Microsoft Uighur"/>
-        <a:font script="Geor" typeface="Sylfaen"/>
-      </a:minorFont>
-    </a:fontScheme>
-    <a:fmtScheme name="Office">
-      <a:fillStyleLst>
-        <a:solidFill>
-          <a:schemeClr val="phClr"/>
-        </a:solidFill>
-        <a:gradFill rotWithShape="1">
-          <a:gsLst>
-            <a:gs pos="0">
-              <a:schemeClr val="phClr">
-                <a:tint val="50000"/>
-                <a:satMod val="300000"/>
-              </a:schemeClr>
-            </a:gs>
-            <a:gs pos="35000">
-              <a:schemeClr val="phClr">
-                <a:tint val="37000"/>
-                <a:satMod val="300000"/>
-              </a:schemeClr>
-            </a:gs>
-            <a:gs pos="100000">
-              <a:schemeClr val="phClr">
-                <a:tint val="15000"/>
-                <a:satMod val="350000"/>
-              </a:schemeClr>
-            </a:gs>
-          </a:gsLst>
-          <a:lin ang="16200000" scaled="1"/>
-        </a:gradFill>
-        <a:gradFill rotWithShape="1">
-          <a:gsLst>
-            <a:gs pos="0">
-              <a:schemeClr val="phClr">
-                <a:tint val="100000"/>
-                <a:shade val="100000"/>
-                <a:satMod val="130000"/>
-              </a:schemeClr>
-            </a:gs>
-            <a:gs pos="100000">
-              <a:schemeClr val="phClr">
-                <a:tint val="50000"/>
-                <a:shade val="100000"/>
-                <a:satMod val="350000"/>
-              </a:schemeClr>
-            </a:gs>
-          </a:gsLst>
-          <a:lin ang="16200000" scaled="0"/>
-        </a:gradFill>
-      </a:fillStyleLst>
-      <a:lnStyleLst>
-        <a:ln w="9525" cap="flat" cmpd="sng" algn="ctr">
-          <a:solidFill>
-            <a:schemeClr val="phClr">
-              <a:shade val="95000"/>
-              <a:satMod val="105000"/>
-            </a:schemeClr>
-          </a:solidFill>
-          <a:prstDash val="solid"/>
-        </a:ln>
-        <a:ln w="25400" cap="flat" cmpd="sng" algn="ctr">
-          <a:solidFill>
-            <a:schemeClr val="phClr"/>
-          </a:solidFill>
-          <a:prstDash val="solid"/>
-        </a:ln>
-        <a:ln w="38100" cap="flat" cmpd="sng" algn="ctr">
-          <a:solidFill>
-            <a:schemeClr val="phClr"/>
-          </a:solidFill>
-          <a:prstDash val="solid"/>
-        </a:ln>
-      </a:lnStyleLst>
-      <a:effectStyleLst>
-        <a:effectStyle>
-          <a:effectLst>
-            <a:outerShdw blurRad="40000" dist="20000" dir="5400000" rotWithShape="0">
-              <a:srgbClr val="000000">
-                <a:alpha val="38000"/>
-              </a:srgbClr>
-            </a:outerShdw>
-          </a:effectLst>
-        </a:effectStyle>
-        <a:effectStyle>
-          <a:effectLst>
-            <a:outerShdw blurRad="40000" dist="23000" dir="5400000" rotWithShape="0">
-              <a:srgbClr val="000000">
-                <a:alpha val="35000"/>
-              </a:srgbClr>
-            </a:outerShdw>
-          </a:effectLst>
-        </a:effectStyle>
-        <a:effectStyle>
-          <a:effectLst>
-            <a:outerShdw blurRad="40000" dist="23000" dir="5400000" rotWithShape="0">
-              <a:srgbClr val="000000">
-                <a:alpha val="35000"/>
-              </a:srgbClr>
-            </a:outerShdw>
-          </a:effectLst>
-          <a:scene3d>
-            <a:camera prst="orthographicFront">
-              <a:rot lat="0" lon="0" rev="0"/>
-            </a:camera>
-            <a:lightRig rig="threePt" dir="t">
-              <a:rot lat="0" lon="0" rev="1200000"/>
-            </a:lightRig>
-          </a:scene3d>
-          <a:sp3d>
-            <a:bevelT w="63500" h="25400"/>
-          </a:sp3d>
-        </a:effectStyle>
-      </a:effectStyleLst>
-      <a:bgFillStyleLst>
-        <a:solidFill>
-          <a:schemeClr val="phClr"/>
-        </a:solidFill>
-        <a:gradFill rotWithShape="1">
-          <a:gsLst>
-            <a:gs pos="0">
-              <a:schemeClr val="phClr">
-                <a:tint val="40000"/>
-                <a:satMod val="350000"/>
-              </a:schemeClr>
-            </a:gs>
-            <a:gs pos="40000">
-              <a:schemeClr val="phClr">
-                <a:tint val="45000"/>
-                <a:shade val="99000"/>
-                <a:satMod val="350000"/>
-              </a:schemeClr>
-            </a:gs>
-            <a:gs pos="100000">
-              <a:schemeClr val="phClr">
-                <a:shade val="20000"/>
-                <a:satMod val="255000"/>
-              </a:schemeClr>
-            </a:gs>
-          </a:gsLst>
-          <a:path path="circle">
-            <a:fillToRect l="50000" t="-80000" r="50000" b="180000"/>
-          </a:path>
-        </a:gradFill>
-        <a:gradFill rotWithShape="1">
-          <a:gsLst>
-            <a:gs pos="0">
-              <a:schemeClr val="phClr">
-                <a:tint val="80000"/>
-                <a:satMod val="300000"/>
-              </a:schemeClr>
-            </a:gs>
-            <a:gs pos="100000">
-              <a:schemeClr val="phClr">
-                <a:shade val="30000"/>
-                <a:satMod val="200000"/>
-              </a:schemeClr>
-            </a:gs>
-          </a:gsLst>
-          <a:path path="circle">
-            <a:fillToRect l="50000" t="50000" r="50000" b="50000"/>
-          </a:path>
-        </a:gradFill>
-      </a:bgFillStyleLst>
-    </a:fmtScheme>
-  </a:themeElements>
-</a:theme>
 </file>
--- a/slides/flink_stream_windows.pptx
+++ b/slides/flink_stream_windows.pptx
@@ -249,6 +249,22 @@
       </a:defRPr>
     </a:lvl9pPr>
   </p:defaultTextStyle>
+  <p:extLst>
+    <p:ext uri="{EFAFB233-063F-42B5-8137-9DF3F51BA10A}">
+      <p15:sldGuideLst xmlns:p15="http://schemas.microsoft.com/office/powerpoint/2012/main">
+        <p15:guide id="1" orient="horz" pos="2160">
+          <p15:clr>
+            <a:srgbClr val="A4A3A4"/>
+          </p15:clr>
+        </p15:guide>
+        <p15:guide id="2" pos="2880">
+          <p15:clr>
+            <a:srgbClr val="A4A3A4"/>
+          </p15:clr>
+        </p15:guide>
+      </p15:sldGuideLst>
+    </p:ext>
+  </p:extLst>
 </p:presentation>
 </file>
 
@@ -14519,7 +14535,7 @@
   <p:timing>
     <p:tnLst>
       <p:par>
-        <p:cTn xmlns:p14="http://schemas.microsoft.com/office/powerpoint/2010/main" id="1" dur="indefinite" restart="never" nodeType="tmRoot"/>
+        <p:cTn id="1" dur="indefinite" restart="never" nodeType="tmRoot"/>
       </p:par>
     </p:tnLst>
   </p:timing>
@@ -20765,7 +20781,7 @@
   <p:timing>
     <p:tnLst>
       <p:par>
-        <p:cTn xmlns:p14="http://schemas.microsoft.com/office/powerpoint/2010/main" id="1" dur="indefinite" restart="never" nodeType="tmRoot"/>
+        <p:cTn id="1" dur="indefinite" restart="never" nodeType="tmRoot"/>
       </p:par>
     </p:tnLst>
   </p:timing>
@@ -28562,7 +28578,7 @@
   <p:timing>
     <p:tnLst>
       <p:par>
-        <p:cTn xmlns:p14="http://schemas.microsoft.com/office/powerpoint/2010/main" id="1" dur="indefinite" restart="never" nodeType="tmRoot"/>
+        <p:cTn id="1" dur="indefinite" restart="never" nodeType="tmRoot"/>
       </p:par>
     </p:tnLst>
   </p:timing>
@@ -28804,47 +28820,7 @@
                   <a:schemeClr val="accent2"/>
                 </a:solidFill>
               </a:rPr>
-              <a:t>W</a:t>
-            </a:r>
-            <a:r>
-              <a:rPr lang="en-US" sz="2400" i="1" dirty="0" smtClean="0">
-                <a:solidFill>
-                  <a:schemeClr val="accent2"/>
-                </a:solidFill>
-              </a:rPr>
-              <a:t>atermarks state </a:t>
-            </a:r>
-            <a:r>
-              <a:rPr lang="en-US" sz="2400" i="1" dirty="0" smtClean="0">
-                <a:solidFill>
-                  <a:schemeClr val="accent2"/>
-                </a:solidFill>
-              </a:rPr>
-              <a:t>that </a:t>
-            </a:r>
-            <a:r>
-              <a:rPr lang="en-US" sz="2400" i="1" dirty="0" smtClean="0">
-                <a:solidFill>
-                  <a:schemeClr val="accent2"/>
-                </a:solidFill>
-              </a:rPr>
-              <a:t>all earlier </a:t>
-            </a:r>
-            <a:r>
-              <a:rPr lang="en-US" sz="2400" i="1" dirty="0" smtClean="0">
-                <a:solidFill>
-                  <a:schemeClr val="accent2"/>
-                </a:solidFill>
-              </a:rPr>
-              <a:t>events </a:t>
-            </a:r>
-            <a:r>
-              <a:rPr lang="en-US" sz="2400" i="1" dirty="0" smtClean="0">
-                <a:solidFill>
-                  <a:schemeClr val="accent2"/>
-                </a:solidFill>
-              </a:rPr>
-              <a:t>have (probably) arrived</a:t>
+              <a:t>Watermarks state that all earlier events have (probably) arrived</a:t>
             </a:r>
             <a:endParaRPr lang="en" sz="2400" b="0" i="1" u="none" strike="noStrike" cap="none" dirty="0">
               <a:solidFill>
@@ -28922,7 +28898,7 @@
   <p:timing>
     <p:tnLst>
       <p:par>
-        <p:cTn xmlns:p14="http://schemas.microsoft.com/office/powerpoint/2010/main" id="1" dur="indefinite" restart="never" nodeType="tmRoot"/>
+        <p:cTn id="1" dur="indefinite" restart="never" nodeType="tmRoot"/>
       </p:par>
     </p:tnLst>
   </p:timing>
@@ -29309,7 +29285,7 @@
   <p:timing>
     <p:tnLst>
       <p:par>
-        <p:cTn xmlns:p14="http://schemas.microsoft.com/office/powerpoint/2010/main" id="1" dur="indefinite" restart="never" nodeType="tmRoot"/>
+        <p:cTn id="1" dur="indefinite" restart="never" nodeType="tmRoot"/>
       </p:par>
     </p:tnLst>
   </p:timing>
@@ -29551,47 +29527,7 @@
                   <a:schemeClr val="accent2"/>
                 </a:solidFill>
               </a:rPr>
-              <a:t>W</a:t>
-            </a:r>
-            <a:r>
-              <a:rPr lang="en-US" sz="2400" i="1" dirty="0" smtClean="0">
-                <a:solidFill>
-                  <a:schemeClr val="accent2"/>
-                </a:solidFill>
-              </a:rPr>
-              <a:t>atermarks state </a:t>
-            </a:r>
-            <a:r>
-              <a:rPr lang="en-US" sz="2400" i="1" dirty="0" smtClean="0">
-                <a:solidFill>
-                  <a:schemeClr val="accent2"/>
-                </a:solidFill>
-              </a:rPr>
-              <a:t>that </a:t>
-            </a:r>
-            <a:r>
-              <a:rPr lang="en-US" sz="2400" i="1" dirty="0" smtClean="0">
-                <a:solidFill>
-                  <a:schemeClr val="accent2"/>
-                </a:solidFill>
-              </a:rPr>
-              <a:t>all earlier </a:t>
-            </a:r>
-            <a:r>
-              <a:rPr lang="en-US" sz="2400" i="1" dirty="0" smtClean="0">
-                <a:solidFill>
-                  <a:schemeClr val="accent2"/>
-                </a:solidFill>
-              </a:rPr>
-              <a:t>events </a:t>
-            </a:r>
-            <a:r>
-              <a:rPr lang="en-US" sz="2400" i="1" dirty="0" smtClean="0">
-                <a:solidFill>
-                  <a:schemeClr val="accent2"/>
-                </a:solidFill>
-              </a:rPr>
-              <a:t>have (probably) arrived</a:t>
+              <a:t>Watermarks state that all earlier events have (probably) arrived</a:t>
             </a:r>
             <a:endParaRPr lang="en" sz="2400" b="0" i="1" u="none" strike="noStrike" cap="none" dirty="0">
               <a:solidFill>
@@ -32663,7 +32599,7 @@
   <p:timing>
     <p:tnLst>
       <p:par>
-        <p:cTn xmlns:p14="http://schemas.microsoft.com/office/powerpoint/2010/main" id="1" dur="indefinite" restart="never" nodeType="tmRoot"/>
+        <p:cTn id="1" dur="indefinite" restart="never" nodeType="tmRoot"/>
       </p:par>
     </p:tnLst>
   </p:timing>
@@ -36697,7 +36633,7 @@
           <a:noFill/>
           <a:extLst>
             <a:ext uri="{909E8E84-426E-40dd-AFC4-6F175D3DCCD1}">
-              <a14:hiddenFill xmlns:a14="http://schemas.microsoft.com/office/drawing/2010/main">
+              <a14:hiddenFill xmlns:a14="http://schemas.microsoft.com/office/drawing/2010/main" xmlns="">
                 <a:solidFill>
                   <a:srgbClr val="FFFFFF"/>
                 </a:solidFill>
@@ -36719,7 +36655,7 @@
   <p:timing>
     <p:tnLst>
       <p:par>
-        <p:cTn xmlns:p14="http://schemas.microsoft.com/office/powerpoint/2010/main" id="1" dur="indefinite" restart="never" nodeType="tmRoot"/>
+        <p:cTn id="1" dur="indefinite" restart="never" nodeType="tmRoot"/>
       </p:par>
     </p:tnLst>
   </p:timing>
@@ -39868,7 +39804,7 @@
             <a:noFill/>
             <a:extLst>
               <a:ext uri="{909E8E84-426E-40dd-AFC4-6F175D3DCCD1}">
-                <a14:hiddenFill xmlns:a14="http://schemas.microsoft.com/office/drawing/2010/main">
+                <a14:hiddenFill xmlns:a14="http://schemas.microsoft.com/office/drawing/2010/main" xmlns="">
                   <a:solidFill>
                     <a:srgbClr val="FFFFFF"/>
                   </a:solidFill>
@@ -40556,7 +40492,7 @@
   <p:timing>
     <p:tnLst>
       <p:par>
-        <p:cTn xmlns:p14="http://schemas.microsoft.com/office/powerpoint/2010/main" id="1" dur="indefinite" restart="never" nodeType="tmRoot"/>
+        <p:cTn id="1" dur="indefinite" restart="never" nodeType="tmRoot"/>
       </p:par>
     </p:tnLst>
   </p:timing>
@@ -40620,7 +40556,18 @@
           <a:p>
             <a:r>
               <a:rPr lang="en-US" dirty="0" smtClean="0"/>
-              <a:t> Perfect</a:t>
+              <a:t> </a:t>
+            </a:r>
+            <a:r>
+              <a:rPr lang="en-US" dirty="0" smtClean="0">
+                <a:solidFill>
+                  <a:schemeClr val="bg2">
+                    <a:lumMod val="60000"/>
+                    <a:lumOff val="40000"/>
+                  </a:schemeClr>
+                </a:solidFill>
+              </a:rPr>
+              <a:t>Perfect</a:t>
             </a:r>
           </a:p>
           <a:p>
@@ -40630,7 +40577,18 @@
             </a:r>
             <a:r>
               <a:rPr lang="en-US" dirty="0" smtClean="0"/>
-              <a:t>(Un)comfortably bounded by fixed delay</a:t>
+              <a:t>(Un)comfortably </a:t>
+            </a:r>
+            <a:r>
+              <a:rPr lang="en-US" dirty="0" smtClean="0">
+                <a:solidFill>
+                  <a:schemeClr val="bg2">
+                    <a:lumMod val="60000"/>
+                    <a:lumOff val="40000"/>
+                  </a:schemeClr>
+                </a:solidFill>
+              </a:rPr>
+              <a:t>bounded by fixed delay</a:t>
             </a:r>
           </a:p>
           <a:p>
@@ -40661,9 +40619,28 @@
               <a:t> </a:t>
             </a:r>
             <a:r>
+              <a:rPr lang="en-US" dirty="0" smtClean="0">
+                <a:solidFill>
+                  <a:schemeClr val="bg2">
+                    <a:lumMod val="60000"/>
+                    <a:lumOff val="40000"/>
+                  </a:schemeClr>
+                </a:solidFill>
+              </a:rPr>
+              <a:t>Heuristic</a:t>
+            </a:r>
+          </a:p>
+          <a:p>
+            <a:pPr lvl="1"/>
+            <a:r>
+              <a:rPr lang="en-US" dirty="0"/>
+              <a:t> </a:t>
+            </a:r>
+            <a:r>
               <a:rPr lang="en-US" dirty="0" smtClean="0"/>
-              <a:t>Heuristic</a:t>
-            </a:r>
+              <a:t>allow windows to produce results as soon as meaningfully possible, and then continue with updates during the allowed lateness interval</a:t>
+            </a:r>
+            <a:endParaRPr lang="en-US" dirty="0" smtClean="0"/>
           </a:p>
         </p:txBody>
       </p:sp>
@@ -40680,7 +40657,7 @@
   <p:timing>
     <p:tnLst>
       <p:par>
-        <p:cTn xmlns:p14="http://schemas.microsoft.com/office/powerpoint/2010/main" id="1" dur="indefinite" restart="never" nodeType="tmRoot"/>
+        <p:cTn id="1" dur="indefinite" restart="never" nodeType="tmRoot"/>
       </p:par>
     </p:tnLst>
   </p:timing>
@@ -40984,7 +40961,7 @@
   <p:timing>
     <p:tnLst>
       <p:par>
-        <p:cTn xmlns:p14="http://schemas.microsoft.com/office/powerpoint/2010/main" id="1" dur="indefinite" restart="never" nodeType="tmRoot"/>
+        <p:cTn id="1" dur="indefinite" restart="never" nodeType="tmRoot"/>
       </p:par>
     </p:tnLst>
   </p:timing>
@@ -42048,7 +42025,7 @@
   <p:timing>
     <p:tnLst>
       <p:par>
-        <p:cTn xmlns:p14="http://schemas.microsoft.com/office/powerpoint/2010/main" id="1" dur="indefinite" restart="never" nodeType="tmRoot"/>
+        <p:cTn id="1" dur="indefinite" restart="never" nodeType="tmRoot"/>
       </p:par>
     </p:tnLst>
   </p:timing>
@@ -43138,7 +43115,7 @@
   <p:timing>
     <p:tnLst>
       <p:par>
-        <p:cTn xmlns:p14="http://schemas.microsoft.com/office/powerpoint/2010/main" id="1" dur="indefinite" restart="never" nodeType="tmRoot"/>
+        <p:cTn id="1" dur="indefinite" restart="never" nodeType="tmRoot"/>
       </p:par>
     </p:tnLst>
   </p:timing>
